--- a/WebsiteSketch.pptx
+++ b/WebsiteSketch.pptx
@@ -7,8 +7,10 @@
   <p:sldIdLst>
     <p:sldId id="257" r:id="rId2"/>
     <p:sldId id="258" r:id="rId3"/>
-    <p:sldId id="259" r:id="rId4"/>
-    <p:sldId id="260" r:id="rId5"/>
+    <p:sldId id="262" r:id="rId4"/>
+    <p:sldId id="265" r:id="rId5"/>
+    <p:sldId id="264" r:id="rId6"/>
+    <p:sldId id="260" r:id="rId7"/>
   </p:sldIdLst>
   <p:sldSz cx="9144000" cy="6858000" type="screen4x3"/>
   <p:notesSz cx="6858000" cy="9144000"/>
@@ -291,7 +293,7 @@
           <a:p>
             <a:fld id="{0B52DA35-E811-2345-810B-CAEEF7A0A9D2}" type="datetimeFigureOut">
               <a:rPr lang="en-US" smtClean="0"/>
-              <a:t>2/23/13</a:t>
+              <a:t>3/31/13</a:t>
             </a:fld>
             <a:endParaRPr lang="en-US"/>
           </a:p>
@@ -461,7 +463,7 @@
           <a:p>
             <a:fld id="{0B52DA35-E811-2345-810B-CAEEF7A0A9D2}" type="datetimeFigureOut">
               <a:rPr lang="en-US" smtClean="0"/>
-              <a:t>2/23/13</a:t>
+              <a:t>3/31/13</a:t>
             </a:fld>
             <a:endParaRPr lang="en-US"/>
           </a:p>
@@ -641,7 +643,7 @@
           <a:p>
             <a:fld id="{0B52DA35-E811-2345-810B-CAEEF7A0A9D2}" type="datetimeFigureOut">
               <a:rPr lang="en-US" smtClean="0"/>
-              <a:t>2/23/13</a:t>
+              <a:t>3/31/13</a:t>
             </a:fld>
             <a:endParaRPr lang="en-US"/>
           </a:p>
@@ -811,7 +813,7 @@
           <a:p>
             <a:fld id="{0B52DA35-E811-2345-810B-CAEEF7A0A9D2}" type="datetimeFigureOut">
               <a:rPr lang="en-US" smtClean="0"/>
-              <a:t>2/23/13</a:t>
+              <a:t>3/31/13</a:t>
             </a:fld>
             <a:endParaRPr lang="en-US"/>
           </a:p>
@@ -1057,7 +1059,7 @@
           <a:p>
             <a:fld id="{0B52DA35-E811-2345-810B-CAEEF7A0A9D2}" type="datetimeFigureOut">
               <a:rPr lang="en-US" smtClean="0"/>
-              <a:t>2/23/13</a:t>
+              <a:t>3/31/13</a:t>
             </a:fld>
             <a:endParaRPr lang="en-US"/>
           </a:p>
@@ -1345,7 +1347,7 @@
           <a:p>
             <a:fld id="{0B52DA35-E811-2345-810B-CAEEF7A0A9D2}" type="datetimeFigureOut">
               <a:rPr lang="en-US" smtClean="0"/>
-              <a:t>2/23/13</a:t>
+              <a:t>3/31/13</a:t>
             </a:fld>
             <a:endParaRPr lang="en-US"/>
           </a:p>
@@ -1767,7 +1769,7 @@
           <a:p>
             <a:fld id="{0B52DA35-E811-2345-810B-CAEEF7A0A9D2}" type="datetimeFigureOut">
               <a:rPr lang="en-US" smtClean="0"/>
-              <a:t>2/23/13</a:t>
+              <a:t>3/31/13</a:t>
             </a:fld>
             <a:endParaRPr lang="en-US"/>
           </a:p>
@@ -1885,7 +1887,7 @@
           <a:p>
             <a:fld id="{0B52DA35-E811-2345-810B-CAEEF7A0A9D2}" type="datetimeFigureOut">
               <a:rPr lang="en-US" smtClean="0"/>
-              <a:t>2/23/13</a:t>
+              <a:t>3/31/13</a:t>
             </a:fld>
             <a:endParaRPr lang="en-US"/>
           </a:p>
@@ -1980,7 +1982,7 @@
           <a:p>
             <a:fld id="{0B52DA35-E811-2345-810B-CAEEF7A0A9D2}" type="datetimeFigureOut">
               <a:rPr lang="en-US" smtClean="0"/>
-              <a:t>2/23/13</a:t>
+              <a:t>3/31/13</a:t>
             </a:fld>
             <a:endParaRPr lang="en-US"/>
           </a:p>
@@ -2257,7 +2259,7 @@
           <a:p>
             <a:fld id="{0B52DA35-E811-2345-810B-CAEEF7A0A9D2}" type="datetimeFigureOut">
               <a:rPr lang="en-US" smtClean="0"/>
-              <a:t>2/23/13</a:t>
+              <a:t>3/31/13</a:t>
             </a:fld>
             <a:endParaRPr lang="en-US"/>
           </a:p>
@@ -2510,7 +2512,7 @@
           <a:p>
             <a:fld id="{0B52DA35-E811-2345-810B-CAEEF7A0A9D2}" type="datetimeFigureOut">
               <a:rPr lang="en-US" smtClean="0"/>
-              <a:t>2/23/13</a:t>
+              <a:t>3/31/13</a:t>
             </a:fld>
             <a:endParaRPr lang="en-US"/>
           </a:p>
@@ -2723,7 +2725,7 @@
           <a:p>
             <a:fld id="{0B52DA35-E811-2345-810B-CAEEF7A0A9D2}" type="datetimeFigureOut">
               <a:rPr lang="en-US" smtClean="0"/>
-              <a:t>2/23/13</a:t>
+              <a:t>3/31/13</a:t>
             </a:fld>
             <a:endParaRPr lang="en-US"/>
           </a:p>
@@ -3238,7 +3240,7 @@
         </p:nvSpPr>
         <p:spPr>
           <a:xfrm>
-            <a:off x="4377463" y="845479"/>
+            <a:off x="3590063" y="832779"/>
             <a:ext cx="1397000" cy="369332"/>
           </a:xfrm>
           <a:prstGeom prst="rect">
@@ -3272,8 +3274,8 @@
         </p:nvSpPr>
         <p:spPr>
           <a:xfrm>
-            <a:off x="5569243" y="840138"/>
-            <a:ext cx="2095500" cy="369332"/>
+            <a:off x="4604043" y="840138"/>
+            <a:ext cx="1403057" cy="369332"/>
           </a:xfrm>
           <a:prstGeom prst="rect">
             <a:avLst/>
@@ -3287,12 +3289,12 @@
           <a:lstStyle/>
           <a:p>
             <a:r>
-              <a:rPr lang="en-US" dirty="0" err="1" smtClean="0"/>
-              <a:t>Vcompany</a:t>
-            </a:r>
-            <a:r>
               <a:rPr lang="en-US" dirty="0" smtClean="0"/>
-              <a:t> profiles </a:t>
+              <a:t>View</a:t>
+            </a:r>
+            <a:r>
+              <a:rPr lang="en-US" dirty="0" smtClean="0"/>
+              <a:t> Profiles</a:t>
             </a:r>
             <a:endParaRPr lang="en-US" dirty="0"/>
           </a:p>
@@ -3306,7 +3308,7 @@
         </p:nvSpPr>
         <p:spPr>
           <a:xfrm>
-            <a:off x="7882663" y="840138"/>
+            <a:off x="7628663" y="840138"/>
             <a:ext cx="1397000" cy="369332"/>
           </a:xfrm>
           <a:prstGeom prst="rect">
@@ -3693,6 +3695,36 @@
           </a:effectLst>
         </p:spPr>
       </p:pic>
+      <p:sp>
+        <p:nvSpPr>
+          <p:cNvPr id="17" name="TextBox 16"/>
+          <p:cNvSpPr txBox="1"/>
+          <p:nvPr/>
+        </p:nvSpPr>
+        <p:spPr>
+          <a:xfrm>
+            <a:off x="6293143" y="840138"/>
+            <a:ext cx="1288757" cy="369332"/>
+          </a:xfrm>
+          <a:prstGeom prst="rect">
+            <a:avLst/>
+          </a:prstGeom>
+          <a:noFill/>
+        </p:spPr>
+        <p:txBody>
+          <a:bodyPr wrap="square" rtlCol="0">
+            <a:spAutoFit/>
+          </a:bodyPr>
+          <a:lstStyle/>
+          <a:p>
+            <a:r>
+              <a:rPr lang="en-US" dirty="0" smtClean="0"/>
+              <a:t>See Tools</a:t>
+            </a:r>
+            <a:endParaRPr lang="en-US" dirty="0"/>
+          </a:p>
+        </p:txBody>
+      </p:sp>
     </p:spTree>
     <p:extLst>
       <p:ext uri="{BB962C8B-B14F-4D97-AF65-F5344CB8AC3E}">
@@ -3857,13 +3889,47 @@
       </p:pic>
       <p:sp>
         <p:nvSpPr>
-          <p:cNvPr id="6" name="TextBox 5"/>
+          <p:cNvPr id="22" name="TextBox 21"/>
           <p:cNvSpPr txBox="1"/>
           <p:nvPr/>
         </p:nvSpPr>
         <p:spPr>
           <a:xfrm>
-            <a:off x="4377463" y="845479"/>
+            <a:off x="270736" y="6469607"/>
+            <a:ext cx="2332763" cy="369332"/>
+          </a:xfrm>
+          <a:prstGeom prst="rect">
+            <a:avLst/>
+          </a:prstGeom>
+          <a:noFill/>
+        </p:spPr>
+        <p:txBody>
+          <a:bodyPr wrap="square" rtlCol="0">
+            <a:spAutoFit/>
+          </a:bodyPr>
+          <a:lstStyle/>
+          <a:p>
+            <a:r>
+              <a:rPr lang="en-US" dirty="0" err="1" smtClean="0"/>
+              <a:t>Abaqual</a:t>
+            </a:r>
+            <a:r>
+              <a:rPr lang="en-US" dirty="0" smtClean="0"/>
+              <a:t> © 2013</a:t>
+            </a:r>
+            <a:endParaRPr lang="en-US" dirty="0"/>
+          </a:p>
+        </p:txBody>
+      </p:sp>
+      <p:sp>
+        <p:nvSpPr>
+          <p:cNvPr id="17" name="TextBox 16"/>
+          <p:cNvSpPr txBox="1"/>
+          <p:nvPr/>
+        </p:nvSpPr>
+        <p:spPr>
+          <a:xfrm>
+            <a:off x="3590063" y="832779"/>
             <a:ext cx="1397000" cy="369332"/>
           </a:xfrm>
           <a:prstGeom prst="rect">
@@ -3891,14 +3957,14 @@
       </p:sp>
       <p:sp>
         <p:nvSpPr>
-          <p:cNvPr id="8" name="TextBox 7"/>
+          <p:cNvPr id="18" name="TextBox 17"/>
           <p:cNvSpPr txBox="1"/>
           <p:nvPr/>
         </p:nvSpPr>
         <p:spPr>
           <a:xfrm>
-            <a:off x="5569243" y="840138"/>
-            <a:ext cx="2095500" cy="369332"/>
+            <a:off x="4604043" y="840138"/>
+            <a:ext cx="1403057" cy="369332"/>
           </a:xfrm>
           <a:prstGeom prst="rect">
             <a:avLst/>
@@ -3912,12 +3978,12 @@
           <a:lstStyle/>
           <a:p>
             <a:r>
-              <a:rPr lang="en-US" dirty="0" err="1" smtClean="0"/>
-              <a:t>Vcompany</a:t>
-            </a:r>
-            <a:r>
               <a:rPr lang="en-US" dirty="0" smtClean="0"/>
-              <a:t> profiles </a:t>
+              <a:t>View</a:t>
+            </a:r>
+            <a:r>
+              <a:rPr lang="en-US" dirty="0" smtClean="0"/>
+              <a:t> Profiles</a:t>
             </a:r>
             <a:endParaRPr lang="en-US" dirty="0"/>
           </a:p>
@@ -3925,13 +3991,13 @@
       </p:sp>
       <p:sp>
         <p:nvSpPr>
-          <p:cNvPr id="9" name="TextBox 8"/>
+          <p:cNvPr id="21" name="TextBox 20"/>
           <p:cNvSpPr txBox="1"/>
           <p:nvPr/>
         </p:nvSpPr>
         <p:spPr>
           <a:xfrm>
-            <a:off x="7882663" y="840138"/>
+            <a:off x="7628663" y="840138"/>
             <a:ext cx="1397000" cy="369332"/>
           </a:xfrm>
           <a:prstGeom prst="rect">
@@ -3955,24 +4021,51 @@
       </p:sp>
       <p:sp>
         <p:nvSpPr>
-          <p:cNvPr id="11" name="TextBox 10"/>
+          <p:cNvPr id="23" name="TextBox 22"/>
           <p:cNvSpPr txBox="1"/>
           <p:nvPr/>
         </p:nvSpPr>
         <p:spPr>
           <a:xfrm>
-            <a:off x="6858000" y="345474"/>
-            <a:ext cx="1397000" cy="369332"/>
-          </a:xfrm>
-          <a:prstGeom prst="rect">
-            <a:avLst/>
-          </a:prstGeom>
+            <a:off x="6293143" y="840138"/>
+            <a:ext cx="1288757" cy="369332"/>
+          </a:xfrm>
+          <a:prstGeom prst="rect">
+            <a:avLst/>
+          </a:prstGeom>
+          <a:noFill/>
+        </p:spPr>
+        <p:txBody>
+          <a:bodyPr wrap="square" rtlCol="0">
+            <a:spAutoFit/>
+          </a:bodyPr>
+          <a:lstStyle/>
+          <a:p>
+            <a:r>
+              <a:rPr lang="en-US" dirty="0" smtClean="0"/>
+              <a:t>See Tools</a:t>
+            </a:r>
+            <a:endParaRPr lang="en-US" dirty="0"/>
+          </a:p>
+        </p:txBody>
+      </p:sp>
+      <p:sp>
+        <p:nvSpPr>
+          <p:cNvPr id="27" name="TextBox 26"/>
+          <p:cNvSpPr txBox="1"/>
+          <p:nvPr/>
+        </p:nvSpPr>
+        <p:spPr>
+          <a:xfrm>
+            <a:off x="800100" y="2456248"/>
+            <a:ext cx="1626742" cy="523220"/>
+          </a:xfrm>
+          <a:prstGeom prst="rect">
+            <a:avLst/>
+          </a:prstGeom>
+          <a:noFill/>
           <a:ln>
-            <a:solidFill>
-              <a:schemeClr val="bg1">
-                <a:lumMod val="75000"/>
-              </a:schemeClr>
-            </a:solidFill>
+            <a:noFill/>
           </a:ln>
         </p:spPr>
         <p:style>
@@ -3990,62 +4083,35 @@
           </a:fontRef>
         </p:style>
         <p:txBody>
-          <a:bodyPr wrap="square" rtlCol="0">
-            <a:spAutoFit/>
-          </a:bodyPr>
-          <a:lstStyle/>
-          <a:p>
-            <a:endParaRPr lang="en-US" dirty="0"/>
-          </a:p>
-        </p:txBody>
-      </p:sp>
-      <p:sp>
-        <p:nvSpPr>
-          <p:cNvPr id="12" name="TextBox 11"/>
+          <a:bodyPr wrap="none" rtlCol="0">
+            <a:spAutoFit/>
+          </a:bodyPr>
+          <a:lstStyle/>
+          <a:p>
+            <a:pPr algn="ctr"/>
+            <a:r>
+              <a:rPr lang="en-US" sz="2800" dirty="0" smtClean="0"/>
+              <a:t>Hardware</a:t>
+            </a:r>
+            <a:endParaRPr lang="en-US" sz="2800" dirty="0"/>
+          </a:p>
+        </p:txBody>
+      </p:sp>
+      <p:sp>
+        <p:nvSpPr>
+          <p:cNvPr id="30" name="TextBox 29"/>
           <p:cNvSpPr txBox="1"/>
           <p:nvPr/>
         </p:nvSpPr>
         <p:spPr>
           <a:xfrm>
-            <a:off x="3695700" y="345474"/>
-            <a:ext cx="1397000" cy="369332"/>
+            <a:off x="3678939" y="2527412"/>
+            <a:ext cx="1445804" cy="523220"/>
           </a:xfrm>
           <a:prstGeom prst="rect">
             <a:avLst/>
           </a:prstGeom>
           <a:noFill/>
-        </p:spPr>
-        <p:txBody>
-          <a:bodyPr wrap="square" rtlCol="0">
-            <a:spAutoFit/>
-          </a:bodyPr>
-          <a:lstStyle/>
-          <a:p>
-            <a:r>
-              <a:rPr lang="en-US" dirty="0" smtClean="0"/>
-              <a:t>Email</a:t>
-            </a:r>
-            <a:endParaRPr lang="en-US" dirty="0"/>
-          </a:p>
-        </p:txBody>
-      </p:sp>
-      <p:sp>
-        <p:nvSpPr>
-          <p:cNvPr id="13" name="TextBox 12"/>
-          <p:cNvSpPr txBox="1"/>
-          <p:nvPr/>
-        </p:nvSpPr>
-        <p:spPr>
-          <a:xfrm>
-            <a:off x="8331200" y="345474"/>
-            <a:ext cx="642273" cy="369332"/>
-          </a:xfrm>
-          <a:prstGeom prst="rect">
-            <a:avLst/>
-          </a:prstGeom>
-          <a:solidFill>
-            <a:srgbClr val="FF6600"/>
-          </a:solidFill>
           <a:ln>
             <a:noFill/>
           </a:ln>
@@ -4072,62 +4138,30 @@
           <a:p>
             <a:pPr algn="ctr"/>
             <a:r>
-              <a:rPr lang="en-US" dirty="0" smtClean="0"/>
-              <a:t>login</a:t>
-            </a:r>
-            <a:endParaRPr lang="en-US" dirty="0"/>
-          </a:p>
-        </p:txBody>
-      </p:sp>
-      <p:sp>
-        <p:nvSpPr>
-          <p:cNvPr id="14" name="Rectangle 13"/>
-          <p:cNvSpPr/>
-          <p:nvPr/>
-        </p:nvSpPr>
-        <p:spPr>
-          <a:xfrm>
-            <a:off x="5774463" y="345474"/>
-            <a:ext cx="1083537" cy="369332"/>
-          </a:xfrm>
-          <a:prstGeom prst="rect">
-            <a:avLst/>
-          </a:prstGeom>
-        </p:spPr>
-        <p:txBody>
-          <a:bodyPr wrap="none">
-            <a:spAutoFit/>
-          </a:bodyPr>
-          <a:lstStyle/>
-          <a:p>
-            <a:r>
-              <a:rPr lang="en-US" dirty="0" smtClean="0"/>
-              <a:t>Password</a:t>
-            </a:r>
-            <a:endParaRPr lang="en-US" dirty="0"/>
-          </a:p>
-        </p:txBody>
-      </p:sp>
-      <p:sp>
-        <p:nvSpPr>
-          <p:cNvPr id="15" name="TextBox 14"/>
+              <a:rPr lang="en-US" sz="2800" dirty="0" smtClean="0"/>
+              <a:t>Platform</a:t>
+            </a:r>
+            <a:endParaRPr lang="en-US" sz="2800" dirty="0"/>
+          </a:p>
+        </p:txBody>
+      </p:sp>
+      <p:sp>
+        <p:nvSpPr>
+          <p:cNvPr id="31" name="TextBox 30"/>
           <p:cNvSpPr txBox="1"/>
           <p:nvPr/>
         </p:nvSpPr>
         <p:spPr>
           <a:xfrm>
-            <a:off x="4377463" y="345474"/>
-            <a:ext cx="1397000" cy="369332"/>
-          </a:xfrm>
-          <a:prstGeom prst="rect">
-            <a:avLst/>
-          </a:prstGeom>
+            <a:off x="6463254" y="2501958"/>
+            <a:ext cx="1492616" cy="523220"/>
+          </a:xfrm>
+          <a:prstGeom prst="rect">
+            <a:avLst/>
+          </a:prstGeom>
+          <a:noFill/>
           <a:ln>
-            <a:solidFill>
-              <a:schemeClr val="bg1">
-                <a:lumMod val="75000"/>
-              </a:schemeClr>
-            </a:solidFill>
+            <a:noFill/>
           </a:ln>
         </p:spPr>
         <p:style>
@@ -4145,25 +4179,156 @@
           </a:fontRef>
         </p:style>
         <p:txBody>
+          <a:bodyPr wrap="none" rtlCol="0">
+            <a:spAutoFit/>
+          </a:bodyPr>
+          <a:lstStyle/>
+          <a:p>
+            <a:pPr algn="ctr"/>
+            <a:r>
+              <a:rPr lang="en-US" sz="2800" dirty="0" smtClean="0"/>
+              <a:t>Software</a:t>
+            </a:r>
+            <a:endParaRPr lang="en-US" sz="2800" dirty="0"/>
+          </a:p>
+        </p:txBody>
+      </p:sp>
+      <p:sp>
+        <p:nvSpPr>
+          <p:cNvPr id="32" name="TextBox 31"/>
+          <p:cNvSpPr txBox="1"/>
+          <p:nvPr/>
+        </p:nvSpPr>
+        <p:spPr>
+          <a:xfrm>
+            <a:off x="723899" y="3175000"/>
+            <a:ext cx="2616199" cy="1446550"/>
+          </a:xfrm>
+          <a:prstGeom prst="rect">
+            <a:avLst/>
+          </a:prstGeom>
+          <a:noFill/>
+        </p:spPr>
+        <p:txBody>
           <a:bodyPr wrap="square" rtlCol="0">
             <a:spAutoFit/>
           </a:bodyPr>
           <a:lstStyle/>
           <a:p>
-            <a:endParaRPr lang="en-US" dirty="0"/>
-          </a:p>
-        </p:txBody>
-      </p:sp>
-      <p:sp>
-        <p:nvSpPr>
-          <p:cNvPr id="16" name="TextBox 15"/>
+            <a:r>
+              <a:rPr lang="en-US" dirty="0" smtClean="0"/>
+              <a:t>EC2 Small Instance</a:t>
+            </a:r>
+          </a:p>
+          <a:p>
+            <a:r>
+              <a:rPr lang="en-US" sz="1400" dirty="0" smtClean="0">
+                <a:solidFill>
+                  <a:schemeClr val="accent2"/>
+                </a:solidFill>
+              </a:rPr>
+              <a:t>$0.06/</a:t>
+            </a:r>
+            <a:r>
+              <a:rPr lang="en-US" sz="1400" dirty="0" err="1" smtClean="0">
+                <a:solidFill>
+                  <a:schemeClr val="accent2"/>
+                </a:solidFill>
+              </a:rPr>
+              <a:t>hr</a:t>
+            </a:r>
+            <a:endParaRPr lang="en-US" sz="1400" dirty="0" smtClean="0">
+              <a:solidFill>
+                <a:schemeClr val="accent2"/>
+              </a:solidFill>
+            </a:endParaRPr>
+          </a:p>
+          <a:p>
+            <a:r>
+              <a:rPr lang="en-US" sz="1400" dirty="0">
+                <a:solidFill>
+                  <a:srgbClr val="A6A6A6"/>
+                </a:solidFill>
+              </a:rPr>
+              <a:t>1.7 </a:t>
+            </a:r>
+            <a:r>
+              <a:rPr lang="en-US" sz="1400" dirty="0" err="1">
+                <a:solidFill>
+                  <a:srgbClr val="A6A6A6"/>
+                </a:solidFill>
+              </a:rPr>
+              <a:t>GiB</a:t>
+            </a:r>
+            <a:r>
+              <a:rPr lang="en-US" sz="1400" dirty="0">
+                <a:solidFill>
+                  <a:srgbClr val="A6A6A6"/>
+                </a:solidFill>
+              </a:rPr>
+              <a:t> </a:t>
+            </a:r>
+            <a:r>
+              <a:rPr lang="en-US" sz="1400" dirty="0" smtClean="0">
+                <a:solidFill>
+                  <a:srgbClr val="A6A6A6"/>
+                </a:solidFill>
+              </a:rPr>
+              <a:t>memory</a:t>
+            </a:r>
+            <a:br>
+              <a:rPr lang="en-US" sz="1400" dirty="0" smtClean="0">
+                <a:solidFill>
+                  <a:srgbClr val="A6A6A6"/>
+                </a:solidFill>
+              </a:rPr>
+            </a:br>
+            <a:r>
+              <a:rPr lang="en-US" sz="1400" dirty="0" smtClean="0">
+                <a:solidFill>
+                  <a:srgbClr val="A6A6A6"/>
+                </a:solidFill>
+              </a:rPr>
+              <a:t>1 EC2 Compute Unit </a:t>
+            </a:r>
+          </a:p>
+          <a:p>
+            <a:r>
+              <a:rPr lang="en-US" sz="1400" dirty="0" smtClean="0">
+                <a:solidFill>
+                  <a:srgbClr val="A6A6A6"/>
+                </a:solidFill>
+              </a:rPr>
+              <a:t>160 GB instance storage</a:t>
+            </a:r>
+          </a:p>
+          <a:p>
+            <a:r>
+              <a:rPr lang="en-US" sz="1400" dirty="0" smtClean="0">
+                <a:solidFill>
+                  <a:srgbClr val="A6A6A6"/>
+                </a:solidFill>
+              </a:rPr>
+              <a:t>64-bit</a:t>
+            </a:r>
+            <a:endParaRPr lang="en-US" sz="1400" dirty="0">
+              <a:solidFill>
+                <a:srgbClr val="A6A6A6"/>
+              </a:solidFill>
+            </a:endParaRPr>
+          </a:p>
+        </p:txBody>
+      </p:sp>
+      <p:sp>
+        <p:nvSpPr>
+          <p:cNvPr id="34" name="TextBox 33"/>
           <p:cNvSpPr txBox="1"/>
           <p:nvPr/>
         </p:nvSpPr>
         <p:spPr>
           <a:xfrm>
-            <a:off x="317500" y="1537692"/>
-            <a:ext cx="4673600" cy="1569660"/>
+            <a:off x="736600" y="4622800"/>
+            <a:ext cx="2438400" cy="1446550"/>
           </a:xfrm>
           <a:prstGeom prst="rect">
             <a:avLst/>
@@ -4176,80 +4341,159 @@
           </a:bodyPr>
           <a:lstStyle/>
           <a:p>
-            <a:pPr algn="just"/>
-            <a:r>
-              <a:rPr lang="en-US" sz="2400" dirty="0" smtClean="0"/>
-              <a:t>At </a:t>
-            </a:r>
-            <a:r>
-              <a:rPr lang="en-US" sz="2400" dirty="0" err="1" smtClean="0"/>
-              <a:t>Abaqual</a:t>
-            </a:r>
-            <a:r>
-              <a:rPr lang="en-US" sz="2400" dirty="0" smtClean="0"/>
-              <a:t>, projects meet experts from virtual companies empowered by instant access to collaborative on-demand computing.    </a:t>
-            </a:r>
-            <a:endParaRPr lang="en-US" sz="2400" dirty="0"/>
-          </a:p>
-        </p:txBody>
-      </p:sp>
-      <p:sp>
-        <p:nvSpPr>
-          <p:cNvPr id="19" name="TextBox 18"/>
+            <a:r>
+              <a:rPr lang="en-US" dirty="0" smtClean="0"/>
+              <a:t>EC2 Large Instance</a:t>
+            </a:r>
+          </a:p>
+          <a:p>
+            <a:r>
+              <a:rPr lang="en-US" sz="1400" dirty="0" smtClean="0">
+                <a:solidFill>
+                  <a:schemeClr val="accent2"/>
+                </a:solidFill>
+              </a:rPr>
+              <a:t>$0.06</a:t>
+            </a:r>
+            <a:r>
+              <a:rPr lang="en-US" sz="1400" dirty="0">
+                <a:solidFill>
+                  <a:schemeClr val="accent2"/>
+                </a:solidFill>
+              </a:rPr>
+              <a:t>/</a:t>
+            </a:r>
+            <a:r>
+              <a:rPr lang="en-US" sz="1400" dirty="0" err="1">
+                <a:solidFill>
+                  <a:schemeClr val="accent2"/>
+                </a:solidFill>
+              </a:rPr>
+              <a:t>hr</a:t>
+            </a:r>
+            <a:endParaRPr lang="en-US" sz="1400" dirty="0">
+              <a:solidFill>
+                <a:schemeClr val="accent2"/>
+              </a:solidFill>
+            </a:endParaRPr>
+          </a:p>
+          <a:p>
+            <a:r>
+              <a:rPr lang="en-US" sz="1400" dirty="0" smtClean="0">
+                <a:solidFill>
+                  <a:srgbClr val="A6A6A6"/>
+                </a:solidFill>
+              </a:rPr>
+              <a:t>1.7 </a:t>
+            </a:r>
+            <a:r>
+              <a:rPr lang="en-US" sz="1400" dirty="0" err="1" smtClean="0">
+                <a:solidFill>
+                  <a:srgbClr val="A6A6A6"/>
+                </a:solidFill>
+              </a:rPr>
+              <a:t>GiB</a:t>
+            </a:r>
+            <a:r>
+              <a:rPr lang="en-US" sz="1400" dirty="0" smtClean="0">
+                <a:solidFill>
+                  <a:srgbClr val="A6A6A6"/>
+                </a:solidFill>
+              </a:rPr>
+              <a:t> memory</a:t>
+            </a:r>
+            <a:br>
+              <a:rPr lang="en-US" sz="1400" dirty="0" smtClean="0">
+                <a:solidFill>
+                  <a:srgbClr val="A6A6A6"/>
+                </a:solidFill>
+              </a:rPr>
+            </a:br>
+            <a:r>
+              <a:rPr lang="en-US" sz="1400" dirty="0" smtClean="0">
+                <a:solidFill>
+                  <a:srgbClr val="A6A6A6"/>
+                </a:solidFill>
+              </a:rPr>
+              <a:t>1 EC2 Compute Unit </a:t>
+            </a:r>
+          </a:p>
+          <a:p>
+            <a:r>
+              <a:rPr lang="en-US" sz="1400" dirty="0" smtClean="0">
+                <a:solidFill>
+                  <a:srgbClr val="A6A6A6"/>
+                </a:solidFill>
+              </a:rPr>
+              <a:t>160 GB instance storage</a:t>
+            </a:r>
+          </a:p>
+          <a:p>
+            <a:r>
+              <a:rPr lang="en-US" sz="1400" dirty="0" smtClean="0">
+                <a:solidFill>
+                  <a:srgbClr val="A6A6A6"/>
+                </a:solidFill>
+              </a:rPr>
+              <a:t>64-bit </a:t>
+            </a:r>
+            <a:endParaRPr lang="en-US" sz="1400" dirty="0">
+              <a:solidFill>
+                <a:srgbClr val="A6A6A6"/>
+              </a:solidFill>
+            </a:endParaRPr>
+          </a:p>
+        </p:txBody>
+      </p:sp>
+      <p:sp>
+        <p:nvSpPr>
+          <p:cNvPr id="38" name="TextBox 37"/>
           <p:cNvSpPr txBox="1"/>
           <p:nvPr/>
         </p:nvSpPr>
         <p:spPr>
           <a:xfrm>
-            <a:off x="1729217" y="3361232"/>
-            <a:ext cx="1875563" cy="584776"/>
-          </a:xfrm>
-          <a:prstGeom prst="rect">
-            <a:avLst/>
-          </a:prstGeom>
-          <a:ln>
-            <a:noFill/>
-          </a:ln>
-        </p:spPr>
-        <p:style>
-          <a:lnRef idx="1">
-            <a:schemeClr val="dk1"/>
-          </a:lnRef>
-          <a:fillRef idx="2">
-            <a:schemeClr val="dk1"/>
-          </a:fillRef>
-          <a:effectRef idx="1">
-            <a:schemeClr val="dk1"/>
-          </a:effectRef>
-          <a:fontRef idx="minor">
-            <a:schemeClr val="dk1"/>
-          </a:fontRef>
-        </p:style>
+            <a:off x="3638843" y="3277850"/>
+            <a:ext cx="2616199" cy="584776"/>
+          </a:xfrm>
+          <a:prstGeom prst="rect">
+            <a:avLst/>
+          </a:prstGeom>
+          <a:noFill/>
+        </p:spPr>
         <p:txBody>
           <a:bodyPr wrap="square" rtlCol="0">
             <a:spAutoFit/>
           </a:bodyPr>
           <a:lstStyle/>
           <a:p>
-            <a:pPr algn="ctr"/>
-            <a:r>
-              <a:rPr lang="en-US" sz="3200" dirty="0" smtClean="0"/>
-              <a:t>Sign Up</a:t>
-            </a:r>
-            <a:endParaRPr lang="en-US" sz="3200" dirty="0"/>
-          </a:p>
-        </p:txBody>
-      </p:sp>
-      <p:sp>
-        <p:nvSpPr>
-          <p:cNvPr id="22" name="TextBox 21"/>
+            <a:r>
+              <a:rPr lang="en-US" dirty="0" smtClean="0"/>
+              <a:t>Ubuntu 12.04 LTS</a:t>
+            </a:r>
+          </a:p>
+          <a:p>
+            <a:r>
+              <a:rPr lang="en-US" sz="1400" dirty="0" smtClean="0">
+                <a:solidFill>
+                  <a:schemeClr val="accent2"/>
+                </a:solidFill>
+              </a:rPr>
+              <a:t>free</a:t>
+            </a:r>
+          </a:p>
+        </p:txBody>
+      </p:sp>
+      <p:sp>
+        <p:nvSpPr>
+          <p:cNvPr id="39" name="TextBox 38"/>
           <p:cNvSpPr txBox="1"/>
           <p:nvPr/>
         </p:nvSpPr>
         <p:spPr>
           <a:xfrm>
-            <a:off x="270736" y="6469607"/>
-            <a:ext cx="2332763" cy="369332"/>
+            <a:off x="3653539" y="4091900"/>
+            <a:ext cx="2616199" cy="584776"/>
           </a:xfrm>
           <a:prstGeom prst="rect">
             <a:avLst/>
@@ -4264,13 +4508,119 @@
           <a:p>
             <a:r>
               <a:rPr lang="en-US" dirty="0" err="1" smtClean="0"/>
-              <a:t>Abaqual</a:t>
+              <a:t>CentOs</a:t>
             </a:r>
             <a:r>
               <a:rPr lang="en-US" dirty="0" smtClean="0"/>
-              <a:t> © 2013</a:t>
-            </a:r>
-            <a:endParaRPr lang="en-US" dirty="0"/>
+              <a:t> 6.4</a:t>
+            </a:r>
+          </a:p>
+          <a:p>
+            <a:r>
+              <a:rPr lang="en-US" sz="1400" dirty="0" smtClean="0">
+                <a:solidFill>
+                  <a:schemeClr val="accent2"/>
+                </a:solidFill>
+              </a:rPr>
+              <a:t>free</a:t>
+            </a:r>
+          </a:p>
+        </p:txBody>
+      </p:sp>
+      <p:sp>
+        <p:nvSpPr>
+          <p:cNvPr id="40" name="TextBox 39"/>
+          <p:cNvSpPr txBox="1"/>
+          <p:nvPr/>
+        </p:nvSpPr>
+        <p:spPr>
+          <a:xfrm>
+            <a:off x="6409464" y="3213046"/>
+            <a:ext cx="2616199" cy="1015663"/>
+          </a:xfrm>
+          <a:prstGeom prst="rect">
+            <a:avLst/>
+          </a:prstGeom>
+          <a:noFill/>
+        </p:spPr>
+        <p:txBody>
+          <a:bodyPr wrap="square" rtlCol="0">
+            <a:spAutoFit/>
+          </a:bodyPr>
+          <a:lstStyle/>
+          <a:p>
+            <a:r>
+              <a:rPr lang="en-US" dirty="0" err="1" smtClean="0"/>
+              <a:t>OpenFoam</a:t>
+            </a:r>
+            <a:endParaRPr lang="en-US" dirty="0" smtClean="0"/>
+          </a:p>
+          <a:p>
+            <a:r>
+              <a:rPr lang="en-US" sz="1400" dirty="0" smtClean="0">
+                <a:solidFill>
+                  <a:schemeClr val="accent2"/>
+                </a:solidFill>
+              </a:rPr>
+              <a:t>free</a:t>
+            </a:r>
+          </a:p>
+          <a:p>
+            <a:r>
+              <a:rPr lang="en-US" sz="1400" dirty="0" smtClean="0">
+                <a:solidFill>
+                  <a:srgbClr val="A6A6A6"/>
+                </a:solidFill>
+              </a:rPr>
+              <a:t>General purpose computational fluid dynamics solver</a:t>
+            </a:r>
+            <a:endParaRPr lang="en-US" sz="1400" dirty="0">
+              <a:solidFill>
+                <a:srgbClr val="A6A6A6"/>
+              </a:solidFill>
+            </a:endParaRPr>
+          </a:p>
+        </p:txBody>
+      </p:sp>
+      <p:sp>
+        <p:nvSpPr>
+          <p:cNvPr id="41" name="TextBox 40"/>
+          <p:cNvSpPr txBox="1"/>
+          <p:nvPr/>
+        </p:nvSpPr>
+        <p:spPr>
+          <a:xfrm>
+            <a:off x="859563" y="1609755"/>
+            <a:ext cx="6997701" cy="400110"/>
+          </a:xfrm>
+          <a:prstGeom prst="rect">
+            <a:avLst/>
+          </a:prstGeom>
+          <a:noFill/>
+        </p:spPr>
+        <p:txBody>
+          <a:bodyPr wrap="square" rtlCol="0">
+            <a:spAutoFit/>
+          </a:bodyPr>
+          <a:lstStyle/>
+          <a:p>
+            <a:r>
+              <a:rPr lang="en-US" sz="2000" dirty="0" smtClean="0"/>
+              <a:t>Don’t see the tools you want? </a:t>
+            </a:r>
+            <a:r>
+              <a:rPr lang="en-US" sz="2000" dirty="0" smtClean="0">
+                <a:solidFill>
+                  <a:srgbClr val="C0504D"/>
+                </a:solidFill>
+              </a:rPr>
+              <a:t>Order here </a:t>
+            </a:r>
+            <a:endParaRPr lang="en-US" sz="2000" dirty="0">
+              <a:solidFill>
+                <a:srgbClr val="C0504D"/>
+              </a:solidFill>
+            </a:endParaRPr>
           </a:p>
         </p:txBody>
       </p:sp>
@@ -4438,13 +4788,47 @@
       </p:pic>
       <p:sp>
         <p:nvSpPr>
-          <p:cNvPr id="6" name="TextBox 5"/>
+          <p:cNvPr id="22" name="TextBox 21"/>
           <p:cNvSpPr txBox="1"/>
           <p:nvPr/>
         </p:nvSpPr>
         <p:spPr>
           <a:xfrm>
-            <a:off x="4377463" y="845479"/>
+            <a:off x="270736" y="6469607"/>
+            <a:ext cx="2332763" cy="369332"/>
+          </a:xfrm>
+          <a:prstGeom prst="rect">
+            <a:avLst/>
+          </a:prstGeom>
+          <a:noFill/>
+        </p:spPr>
+        <p:txBody>
+          <a:bodyPr wrap="square" rtlCol="0">
+            <a:spAutoFit/>
+          </a:bodyPr>
+          <a:lstStyle/>
+          <a:p>
+            <a:r>
+              <a:rPr lang="en-US" dirty="0" err="1" smtClean="0"/>
+              <a:t>Abaqual</a:t>
+            </a:r>
+            <a:r>
+              <a:rPr lang="en-US" dirty="0" smtClean="0"/>
+              <a:t> © 2013</a:t>
+            </a:r>
+            <a:endParaRPr lang="en-US" dirty="0"/>
+          </a:p>
+        </p:txBody>
+      </p:sp>
+      <p:sp>
+        <p:nvSpPr>
+          <p:cNvPr id="17" name="TextBox 16"/>
+          <p:cNvSpPr txBox="1"/>
+          <p:nvPr/>
+        </p:nvSpPr>
+        <p:spPr>
+          <a:xfrm>
+            <a:off x="3590063" y="832779"/>
             <a:ext cx="1397000" cy="369332"/>
           </a:xfrm>
           <a:prstGeom prst="rect">
@@ -4472,14 +4856,14 @@
       </p:sp>
       <p:sp>
         <p:nvSpPr>
-          <p:cNvPr id="8" name="TextBox 7"/>
+          <p:cNvPr id="18" name="TextBox 17"/>
           <p:cNvSpPr txBox="1"/>
           <p:nvPr/>
         </p:nvSpPr>
         <p:spPr>
           <a:xfrm>
-            <a:off x="5569243" y="840138"/>
-            <a:ext cx="2095500" cy="369332"/>
+            <a:off x="4604043" y="840138"/>
+            <a:ext cx="1403057" cy="369332"/>
           </a:xfrm>
           <a:prstGeom prst="rect">
             <a:avLst/>
@@ -4493,12 +4877,12 @@
           <a:lstStyle/>
           <a:p>
             <a:r>
-              <a:rPr lang="en-US" dirty="0" err="1" smtClean="0"/>
-              <a:t>Vcompany</a:t>
-            </a:r>
-            <a:r>
               <a:rPr lang="en-US" dirty="0" smtClean="0"/>
-              <a:t> profiles </a:t>
+              <a:t>View</a:t>
+            </a:r>
+            <a:r>
+              <a:rPr lang="en-US" dirty="0" smtClean="0"/>
+              <a:t> Profiles</a:t>
             </a:r>
             <a:endParaRPr lang="en-US" dirty="0"/>
           </a:p>
@@ -4506,13 +4890,13 @@
       </p:sp>
       <p:sp>
         <p:nvSpPr>
-          <p:cNvPr id="9" name="TextBox 8"/>
+          <p:cNvPr id="21" name="TextBox 20"/>
           <p:cNvSpPr txBox="1"/>
           <p:nvPr/>
         </p:nvSpPr>
         <p:spPr>
           <a:xfrm>
-            <a:off x="7882663" y="840138"/>
+            <a:off x="7628663" y="840138"/>
             <a:ext cx="1397000" cy="369332"/>
           </a:xfrm>
           <a:prstGeom prst="rect">
@@ -4534,6 +4918,1371 @@
           </a:p>
         </p:txBody>
       </p:sp>
+      <p:sp>
+        <p:nvSpPr>
+          <p:cNvPr id="23" name="TextBox 22"/>
+          <p:cNvSpPr txBox="1"/>
+          <p:nvPr/>
+        </p:nvSpPr>
+        <p:spPr>
+          <a:xfrm>
+            <a:off x="6293143" y="840138"/>
+            <a:ext cx="1288757" cy="369332"/>
+          </a:xfrm>
+          <a:prstGeom prst="rect">
+            <a:avLst/>
+          </a:prstGeom>
+          <a:noFill/>
+        </p:spPr>
+        <p:txBody>
+          <a:bodyPr wrap="square" rtlCol="0">
+            <a:spAutoFit/>
+          </a:bodyPr>
+          <a:lstStyle/>
+          <a:p>
+            <a:r>
+              <a:rPr lang="en-US" dirty="0" smtClean="0"/>
+              <a:t>See Tools</a:t>
+            </a:r>
+            <a:endParaRPr lang="en-US" dirty="0"/>
+          </a:p>
+        </p:txBody>
+      </p:sp>
+      <p:sp>
+        <p:nvSpPr>
+          <p:cNvPr id="19" name="TextBox 18"/>
+          <p:cNvSpPr txBox="1"/>
+          <p:nvPr/>
+        </p:nvSpPr>
+        <p:spPr>
+          <a:xfrm>
+            <a:off x="1117600" y="2334274"/>
+            <a:ext cx="2184399" cy="369332"/>
+          </a:xfrm>
+          <a:prstGeom prst="rect">
+            <a:avLst/>
+          </a:prstGeom>
+          <a:noFill/>
+        </p:spPr>
+        <p:txBody>
+          <a:bodyPr wrap="square" rtlCol="0">
+            <a:spAutoFit/>
+          </a:bodyPr>
+          <a:lstStyle/>
+          <a:p>
+            <a:pPr algn="r"/>
+            <a:r>
+              <a:rPr lang="en-US" dirty="0" smtClean="0"/>
+              <a:t>Link to th</a:t>
+            </a:r>
+            <a:r>
+              <a:rPr lang="en-US" dirty="0" smtClean="0"/>
+              <a:t>e product</a:t>
+            </a:r>
+            <a:endParaRPr lang="en-US" dirty="0"/>
+          </a:p>
+        </p:txBody>
+      </p:sp>
+      <p:sp>
+        <p:nvSpPr>
+          <p:cNvPr id="24" name="TextBox 23"/>
+          <p:cNvSpPr txBox="1"/>
+          <p:nvPr/>
+        </p:nvSpPr>
+        <p:spPr>
+          <a:xfrm>
+            <a:off x="3301999" y="2337856"/>
+            <a:ext cx="4648200" cy="369332"/>
+          </a:xfrm>
+          <a:prstGeom prst="rect">
+            <a:avLst/>
+          </a:prstGeom>
+          <a:ln>
+            <a:solidFill>
+              <a:schemeClr val="bg1">
+                <a:lumMod val="75000"/>
+              </a:schemeClr>
+            </a:solidFill>
+          </a:ln>
+        </p:spPr>
+        <p:style>
+          <a:lnRef idx="2">
+            <a:schemeClr val="dk1"/>
+          </a:lnRef>
+          <a:fillRef idx="1">
+            <a:schemeClr val="lt1"/>
+          </a:fillRef>
+          <a:effectRef idx="0">
+            <a:schemeClr val="dk1"/>
+          </a:effectRef>
+          <a:fontRef idx="minor">
+            <a:schemeClr val="dk1"/>
+          </a:fontRef>
+        </p:style>
+        <p:txBody>
+          <a:bodyPr wrap="square" rtlCol="0">
+            <a:spAutoFit/>
+          </a:bodyPr>
+          <a:lstStyle/>
+          <a:p>
+            <a:endParaRPr lang="en-US" dirty="0"/>
+          </a:p>
+        </p:txBody>
+      </p:sp>
+      <p:sp>
+        <p:nvSpPr>
+          <p:cNvPr id="25" name="TextBox 24"/>
+          <p:cNvSpPr txBox="1"/>
+          <p:nvPr/>
+        </p:nvSpPr>
+        <p:spPr>
+          <a:xfrm>
+            <a:off x="1904999" y="2832810"/>
+            <a:ext cx="1397000" cy="369332"/>
+          </a:xfrm>
+          <a:prstGeom prst="rect">
+            <a:avLst/>
+          </a:prstGeom>
+          <a:noFill/>
+        </p:spPr>
+        <p:txBody>
+          <a:bodyPr wrap="square" rtlCol="0">
+            <a:spAutoFit/>
+          </a:bodyPr>
+          <a:lstStyle/>
+          <a:p>
+            <a:pPr algn="r"/>
+            <a:r>
+              <a:rPr lang="en-US" dirty="0" smtClean="0"/>
+              <a:t>Comment</a:t>
+            </a:r>
+            <a:endParaRPr lang="en-US" dirty="0"/>
+          </a:p>
+        </p:txBody>
+      </p:sp>
+      <p:sp>
+        <p:nvSpPr>
+          <p:cNvPr id="26" name="TextBox 25"/>
+          <p:cNvSpPr txBox="1"/>
+          <p:nvPr/>
+        </p:nvSpPr>
+        <p:spPr>
+          <a:xfrm>
+            <a:off x="3301999" y="2832810"/>
+            <a:ext cx="4648200" cy="923330"/>
+          </a:xfrm>
+          <a:prstGeom prst="rect">
+            <a:avLst/>
+          </a:prstGeom>
+          <a:ln>
+            <a:solidFill>
+              <a:schemeClr val="bg1">
+                <a:lumMod val="75000"/>
+              </a:schemeClr>
+            </a:solidFill>
+          </a:ln>
+        </p:spPr>
+        <p:style>
+          <a:lnRef idx="2">
+            <a:schemeClr val="dk1"/>
+          </a:lnRef>
+          <a:fillRef idx="1">
+            <a:schemeClr val="lt1"/>
+          </a:fillRef>
+          <a:effectRef idx="0">
+            <a:schemeClr val="dk1"/>
+          </a:effectRef>
+          <a:fontRef idx="minor">
+            <a:schemeClr val="dk1"/>
+          </a:fontRef>
+        </p:style>
+        <p:txBody>
+          <a:bodyPr wrap="square" rtlCol="0">
+            <a:spAutoFit/>
+          </a:bodyPr>
+          <a:lstStyle/>
+          <a:p>
+            <a:endParaRPr lang="en-US" dirty="0" smtClean="0"/>
+          </a:p>
+          <a:p>
+            <a:endParaRPr lang="en-US" dirty="0"/>
+          </a:p>
+          <a:p>
+            <a:endParaRPr lang="en-US" dirty="0"/>
+          </a:p>
+        </p:txBody>
+      </p:sp>
+      <p:sp>
+        <p:nvSpPr>
+          <p:cNvPr id="28" name="TextBox 27"/>
+          <p:cNvSpPr txBox="1"/>
+          <p:nvPr/>
+        </p:nvSpPr>
+        <p:spPr>
+          <a:xfrm>
+            <a:off x="1117600" y="1836194"/>
+            <a:ext cx="2184399" cy="369332"/>
+          </a:xfrm>
+          <a:prstGeom prst="rect">
+            <a:avLst/>
+          </a:prstGeom>
+          <a:noFill/>
+        </p:spPr>
+        <p:txBody>
+          <a:bodyPr wrap="square" rtlCol="0">
+            <a:spAutoFit/>
+          </a:bodyPr>
+          <a:lstStyle/>
+          <a:p>
+            <a:pPr algn="r"/>
+            <a:r>
+              <a:rPr lang="en-US" dirty="0" smtClean="0"/>
+              <a:t>Requested tool</a:t>
+            </a:r>
+            <a:r>
+              <a:rPr lang="en-US" baseline="30000" dirty="0" smtClean="0"/>
+              <a:t>*</a:t>
+            </a:r>
+            <a:endParaRPr lang="en-US" dirty="0"/>
+          </a:p>
+        </p:txBody>
+      </p:sp>
+      <p:sp>
+        <p:nvSpPr>
+          <p:cNvPr id="29" name="TextBox 28"/>
+          <p:cNvSpPr txBox="1"/>
+          <p:nvPr/>
+        </p:nvSpPr>
+        <p:spPr>
+          <a:xfrm>
+            <a:off x="3301998" y="1836194"/>
+            <a:ext cx="4648201" cy="369332"/>
+          </a:xfrm>
+          <a:prstGeom prst="rect">
+            <a:avLst/>
+          </a:prstGeom>
+          <a:ln>
+            <a:solidFill>
+              <a:schemeClr val="bg1">
+                <a:lumMod val="75000"/>
+              </a:schemeClr>
+            </a:solidFill>
+          </a:ln>
+        </p:spPr>
+        <p:style>
+          <a:lnRef idx="2">
+            <a:schemeClr val="dk1"/>
+          </a:lnRef>
+          <a:fillRef idx="1">
+            <a:schemeClr val="lt1"/>
+          </a:fillRef>
+          <a:effectRef idx="0">
+            <a:schemeClr val="dk1"/>
+          </a:effectRef>
+          <a:fontRef idx="minor">
+            <a:schemeClr val="dk1"/>
+          </a:fontRef>
+        </p:style>
+        <p:txBody>
+          <a:bodyPr wrap="square" rtlCol="0">
+            <a:spAutoFit/>
+          </a:bodyPr>
+          <a:lstStyle/>
+          <a:p>
+            <a:endParaRPr lang="en-US" dirty="0"/>
+          </a:p>
+        </p:txBody>
+      </p:sp>
+      <p:sp>
+        <p:nvSpPr>
+          <p:cNvPr id="33" name="TextBox 32"/>
+          <p:cNvSpPr txBox="1"/>
+          <p:nvPr/>
+        </p:nvSpPr>
+        <p:spPr>
+          <a:xfrm>
+            <a:off x="3301999" y="3888774"/>
+            <a:ext cx="1685064" cy="369332"/>
+          </a:xfrm>
+          <a:prstGeom prst="rect">
+            <a:avLst/>
+          </a:prstGeom>
+          <a:ln>
+            <a:solidFill>
+              <a:schemeClr val="bg1">
+                <a:lumMod val="75000"/>
+              </a:schemeClr>
+            </a:solidFill>
+          </a:ln>
+        </p:spPr>
+        <p:style>
+          <a:lnRef idx="2">
+            <a:schemeClr val="dk1"/>
+          </a:lnRef>
+          <a:fillRef idx="1">
+            <a:schemeClr val="lt1"/>
+          </a:fillRef>
+          <a:effectRef idx="0">
+            <a:schemeClr val="dk1"/>
+          </a:effectRef>
+          <a:fontRef idx="minor">
+            <a:schemeClr val="dk1"/>
+          </a:fontRef>
+        </p:style>
+        <p:txBody>
+          <a:bodyPr wrap="square" rtlCol="0">
+            <a:spAutoFit/>
+          </a:bodyPr>
+          <a:lstStyle/>
+          <a:p>
+            <a:endParaRPr lang="en-US" dirty="0"/>
+          </a:p>
+        </p:txBody>
+      </p:sp>
+      <p:sp>
+        <p:nvSpPr>
+          <p:cNvPr id="35" name="Rectangle 34"/>
+          <p:cNvSpPr/>
+          <p:nvPr/>
+        </p:nvSpPr>
+        <p:spPr>
+          <a:xfrm>
+            <a:off x="1745864" y="3888774"/>
+            <a:ext cx="1556135" cy="369332"/>
+          </a:xfrm>
+          <a:prstGeom prst="rect">
+            <a:avLst/>
+          </a:prstGeom>
+        </p:spPr>
+        <p:txBody>
+          <a:bodyPr wrap="none">
+            <a:spAutoFit/>
+          </a:bodyPr>
+          <a:lstStyle/>
+          <a:p>
+            <a:pPr algn="r"/>
+            <a:r>
+              <a:rPr lang="en-US" dirty="0" smtClean="0"/>
+              <a:t>Email address</a:t>
+            </a:r>
+            <a:r>
+              <a:rPr lang="en-US" baseline="30000" dirty="0" smtClean="0"/>
+              <a:t>*</a:t>
+            </a:r>
+            <a:endParaRPr lang="en-US" dirty="0"/>
+          </a:p>
+        </p:txBody>
+      </p:sp>
+      <p:sp>
+        <p:nvSpPr>
+          <p:cNvPr id="42" name="TextBox 41"/>
+          <p:cNvSpPr txBox="1"/>
+          <p:nvPr/>
+        </p:nvSpPr>
+        <p:spPr>
+          <a:xfrm>
+            <a:off x="3454399" y="4594379"/>
+            <a:ext cx="1397000" cy="369332"/>
+          </a:xfrm>
+          <a:prstGeom prst="rect">
+            <a:avLst/>
+          </a:prstGeom>
+          <a:ln>
+            <a:noFill/>
+          </a:ln>
+        </p:spPr>
+        <p:style>
+          <a:lnRef idx="1">
+            <a:schemeClr val="dk1"/>
+          </a:lnRef>
+          <a:fillRef idx="2">
+            <a:schemeClr val="dk1"/>
+          </a:fillRef>
+          <a:effectRef idx="1">
+            <a:schemeClr val="dk1"/>
+          </a:effectRef>
+          <a:fontRef idx="minor">
+            <a:schemeClr val="dk1"/>
+          </a:fontRef>
+        </p:style>
+        <p:txBody>
+          <a:bodyPr wrap="square" rtlCol="0">
+            <a:spAutoFit/>
+          </a:bodyPr>
+          <a:lstStyle/>
+          <a:p>
+            <a:pPr algn="ctr"/>
+            <a:r>
+              <a:rPr lang="en-US" dirty="0" smtClean="0"/>
+              <a:t>Order</a:t>
+            </a:r>
+            <a:endParaRPr lang="en-US" dirty="0"/>
+          </a:p>
+        </p:txBody>
+      </p:sp>
+      <p:sp>
+        <p:nvSpPr>
+          <p:cNvPr id="3" name="TextBox 2"/>
+          <p:cNvSpPr txBox="1"/>
+          <p:nvPr/>
+        </p:nvSpPr>
+        <p:spPr>
+          <a:xfrm>
+            <a:off x="2070100" y="4258106"/>
+            <a:ext cx="6769100" cy="307777"/>
+          </a:xfrm>
+          <a:prstGeom prst="rect">
+            <a:avLst/>
+          </a:prstGeom>
+          <a:noFill/>
+        </p:spPr>
+        <p:txBody>
+          <a:bodyPr wrap="square" rtlCol="0">
+            <a:spAutoFit/>
+          </a:bodyPr>
+          <a:lstStyle/>
+          <a:p>
+            <a:r>
+              <a:rPr lang="en-US" sz="1400" dirty="0" smtClean="0">
+                <a:solidFill>
+                  <a:schemeClr val="bg1">
+                    <a:lumMod val="65000"/>
+                  </a:schemeClr>
+                </a:solidFill>
+              </a:rPr>
+              <a:t>We use your email address ONLY to notify you when the product is available on </a:t>
+            </a:r>
+            <a:r>
+              <a:rPr lang="en-US" sz="1400" dirty="0" err="1" smtClean="0">
+                <a:solidFill>
+                  <a:schemeClr val="bg1">
+                    <a:lumMod val="65000"/>
+                  </a:schemeClr>
+                </a:solidFill>
+              </a:rPr>
+              <a:t>Abaqual</a:t>
+            </a:r>
+            <a:r>
+              <a:rPr lang="en-US" sz="1400" dirty="0" smtClean="0">
+                <a:solidFill>
+                  <a:schemeClr val="bg1">
+                    <a:lumMod val="65000"/>
+                  </a:schemeClr>
+                </a:solidFill>
+              </a:rPr>
+              <a:t>.</a:t>
+            </a:r>
+            <a:endParaRPr lang="en-US" sz="1400" dirty="0">
+              <a:solidFill>
+                <a:schemeClr val="bg1">
+                  <a:lumMod val="65000"/>
+                </a:schemeClr>
+              </a:solidFill>
+            </a:endParaRPr>
+          </a:p>
+        </p:txBody>
+      </p:sp>
+    </p:spTree>
+    <p:extLst>
+      <p:ext uri="{BB962C8B-B14F-4D97-AF65-F5344CB8AC3E}">
+        <p14:creationId xmlns:p14="http://schemas.microsoft.com/office/powerpoint/2010/main" val="1399100329"/>
+      </p:ext>
+    </p:extLst>
+  </p:cSld>
+  <p:clrMapOvr>
+    <a:masterClrMapping/>
+  </p:clrMapOvr>
+</p:sld>
+</file>
+
+<file path=ppt/slides/slide4.xml><?xml version="1.0" encoding="utf-8"?>
+<p:sld xmlns:a="http://schemas.openxmlformats.org/drawingml/2006/main" xmlns:r="http://schemas.openxmlformats.org/officeDocument/2006/relationships" xmlns:p="http://schemas.openxmlformats.org/presentationml/2006/main">
+  <p:cSld>
+    <p:spTree>
+      <p:nvGrpSpPr>
+        <p:cNvPr id="1" name=""/>
+        <p:cNvGrpSpPr/>
+        <p:nvPr/>
+      </p:nvGrpSpPr>
+      <p:grpSpPr>
+        <a:xfrm>
+          <a:off x="0" y="0"/>
+          <a:ext cx="0" cy="0"/>
+          <a:chOff x="0" y="0"/>
+          <a:chExt cx="0" cy="0"/>
+        </a:xfrm>
+      </p:grpSpPr>
+      <p:sp>
+        <p:nvSpPr>
+          <p:cNvPr id="20" name="Rectangle 19"/>
+          <p:cNvSpPr/>
+          <p:nvPr/>
+        </p:nvSpPr>
+        <p:spPr>
+          <a:xfrm>
+            <a:off x="0" y="6456907"/>
+            <a:ext cx="9144000" cy="396704"/>
+          </a:xfrm>
+          <a:prstGeom prst="rect">
+            <a:avLst/>
+          </a:prstGeom>
+          <a:solidFill>
+            <a:schemeClr val="bg1">
+              <a:lumMod val="85000"/>
+            </a:schemeClr>
+          </a:solidFill>
+          <a:ln>
+            <a:noFill/>
+          </a:ln>
+          <a:effectLst/>
+        </p:spPr>
+        <p:style>
+          <a:lnRef idx="1">
+            <a:schemeClr val="dk1"/>
+          </a:lnRef>
+          <a:fillRef idx="2">
+            <a:schemeClr val="dk1"/>
+          </a:fillRef>
+          <a:effectRef idx="1">
+            <a:schemeClr val="dk1"/>
+          </a:effectRef>
+          <a:fontRef idx="minor">
+            <a:schemeClr val="dk1"/>
+          </a:fontRef>
+        </p:style>
+        <p:txBody>
+          <a:bodyPr rtlCol="0" anchor="ctr"/>
+          <a:lstStyle/>
+          <a:p>
+            <a:pPr algn="ctr"/>
+            <a:endParaRPr lang="en-US">
+              <a:solidFill>
+                <a:srgbClr val="000000"/>
+              </a:solidFill>
+            </a:endParaRPr>
+          </a:p>
+        </p:txBody>
+      </p:sp>
+      <p:sp>
+        <p:nvSpPr>
+          <p:cNvPr id="2" name="Rectangle 1"/>
+          <p:cNvSpPr/>
+          <p:nvPr/>
+        </p:nvSpPr>
+        <p:spPr>
+          <a:xfrm>
+            <a:off x="0" y="0"/>
+            <a:ext cx="9144000" cy="1214811"/>
+          </a:xfrm>
+          <a:prstGeom prst="rect">
+            <a:avLst/>
+          </a:prstGeom>
+          <a:solidFill>
+            <a:schemeClr val="bg1">
+              <a:lumMod val="85000"/>
+            </a:schemeClr>
+          </a:solidFill>
+          <a:ln>
+            <a:noFill/>
+          </a:ln>
+          <a:effectLst/>
+        </p:spPr>
+        <p:style>
+          <a:lnRef idx="1">
+            <a:schemeClr val="dk1"/>
+          </a:lnRef>
+          <a:fillRef idx="2">
+            <a:schemeClr val="dk1"/>
+          </a:fillRef>
+          <a:effectRef idx="1">
+            <a:schemeClr val="dk1"/>
+          </a:effectRef>
+          <a:fontRef idx="minor">
+            <a:schemeClr val="dk1"/>
+          </a:fontRef>
+        </p:style>
+        <p:txBody>
+          <a:bodyPr rtlCol="0" anchor="ctr"/>
+          <a:lstStyle/>
+          <a:p>
+            <a:pPr algn="ctr"/>
+            <a:endParaRPr lang="en-US">
+              <a:solidFill>
+                <a:srgbClr val="000000"/>
+              </a:solidFill>
+            </a:endParaRPr>
+          </a:p>
+        </p:txBody>
+      </p:sp>
+      <p:pic>
+        <p:nvPicPr>
+          <p:cNvPr id="5" name="Picture 4" descr="abqLogo_300dpi.png"/>
+          <p:cNvPicPr>
+            <a:picLocks noChangeAspect="1"/>
+          </p:cNvPicPr>
+          <p:nvPr/>
+        </p:nvPicPr>
+        <p:blipFill>
+          <a:blip r:embed="rId2">
+            <a:extLst>
+              <a:ext uri="{28A0092B-C50C-407E-A947-70E740481C1C}">
+                <a14:useLocalDpi xmlns:a14="http://schemas.microsoft.com/office/drawing/2010/main" val="0"/>
+              </a:ext>
+            </a:extLst>
+          </a:blip>
+          <a:stretch>
+            <a:fillRect/>
+          </a:stretch>
+        </p:blipFill>
+        <p:spPr>
+          <a:xfrm>
+            <a:off x="330200" y="134036"/>
+            <a:ext cx="2856562" cy="983564"/>
+          </a:xfrm>
+          <a:prstGeom prst="rect">
+            <a:avLst/>
+          </a:prstGeom>
+        </p:spPr>
+      </p:pic>
+      <p:sp>
+        <p:nvSpPr>
+          <p:cNvPr id="22" name="TextBox 21"/>
+          <p:cNvSpPr txBox="1"/>
+          <p:nvPr/>
+        </p:nvSpPr>
+        <p:spPr>
+          <a:xfrm>
+            <a:off x="270736" y="6469607"/>
+            <a:ext cx="2332763" cy="369332"/>
+          </a:xfrm>
+          <a:prstGeom prst="rect">
+            <a:avLst/>
+          </a:prstGeom>
+          <a:noFill/>
+        </p:spPr>
+        <p:txBody>
+          <a:bodyPr wrap="square" rtlCol="0">
+            <a:spAutoFit/>
+          </a:bodyPr>
+          <a:lstStyle/>
+          <a:p>
+            <a:r>
+              <a:rPr lang="en-US" dirty="0" err="1" smtClean="0"/>
+              <a:t>Abaqual</a:t>
+            </a:r>
+            <a:r>
+              <a:rPr lang="en-US" dirty="0" smtClean="0"/>
+              <a:t> © 2013</a:t>
+            </a:r>
+            <a:endParaRPr lang="en-US" dirty="0"/>
+          </a:p>
+        </p:txBody>
+      </p:sp>
+      <p:sp>
+        <p:nvSpPr>
+          <p:cNvPr id="17" name="TextBox 16"/>
+          <p:cNvSpPr txBox="1"/>
+          <p:nvPr/>
+        </p:nvSpPr>
+        <p:spPr>
+          <a:xfrm>
+            <a:off x="3590063" y="832779"/>
+            <a:ext cx="1397000" cy="369332"/>
+          </a:xfrm>
+          <a:prstGeom prst="rect">
+            <a:avLst/>
+          </a:prstGeom>
+          <a:noFill/>
+        </p:spPr>
+        <p:txBody>
+          <a:bodyPr wrap="square" rtlCol="0">
+            <a:spAutoFit/>
+          </a:bodyPr>
+          <a:lstStyle/>
+          <a:p>
+            <a:r>
+              <a:rPr lang="en-US" dirty="0"/>
+              <a:t>H</a:t>
+            </a:r>
+            <a:r>
+              <a:rPr lang="en-US" dirty="0" smtClean="0"/>
+              <a:t>ome</a:t>
+            </a:r>
+            <a:endParaRPr lang="en-US" dirty="0"/>
+          </a:p>
+        </p:txBody>
+      </p:sp>
+      <p:sp>
+        <p:nvSpPr>
+          <p:cNvPr id="18" name="TextBox 17"/>
+          <p:cNvSpPr txBox="1"/>
+          <p:nvPr/>
+        </p:nvSpPr>
+        <p:spPr>
+          <a:xfrm>
+            <a:off x="4604043" y="840138"/>
+            <a:ext cx="1403057" cy="369332"/>
+          </a:xfrm>
+          <a:prstGeom prst="rect">
+            <a:avLst/>
+          </a:prstGeom>
+          <a:noFill/>
+        </p:spPr>
+        <p:txBody>
+          <a:bodyPr wrap="square" rtlCol="0">
+            <a:spAutoFit/>
+          </a:bodyPr>
+          <a:lstStyle/>
+          <a:p>
+            <a:r>
+              <a:rPr lang="en-US" dirty="0" smtClean="0"/>
+              <a:t>View</a:t>
+            </a:r>
+            <a:r>
+              <a:rPr lang="en-US" dirty="0" smtClean="0"/>
+              <a:t> Profiles</a:t>
+            </a:r>
+            <a:endParaRPr lang="en-US" dirty="0"/>
+          </a:p>
+        </p:txBody>
+      </p:sp>
+      <p:sp>
+        <p:nvSpPr>
+          <p:cNvPr id="21" name="TextBox 20"/>
+          <p:cNvSpPr txBox="1"/>
+          <p:nvPr/>
+        </p:nvSpPr>
+        <p:spPr>
+          <a:xfrm>
+            <a:off x="7628663" y="840138"/>
+            <a:ext cx="1397000" cy="369332"/>
+          </a:xfrm>
+          <a:prstGeom prst="rect">
+            <a:avLst/>
+          </a:prstGeom>
+          <a:noFill/>
+        </p:spPr>
+        <p:txBody>
+          <a:bodyPr wrap="square" rtlCol="0">
+            <a:spAutoFit/>
+          </a:bodyPr>
+          <a:lstStyle/>
+          <a:p>
+            <a:r>
+              <a:rPr lang="en-US" dirty="0" smtClean="0"/>
+              <a:t>Contact Us </a:t>
+            </a:r>
+            <a:endParaRPr lang="en-US" dirty="0"/>
+          </a:p>
+        </p:txBody>
+      </p:sp>
+      <p:sp>
+        <p:nvSpPr>
+          <p:cNvPr id="23" name="TextBox 22"/>
+          <p:cNvSpPr txBox="1"/>
+          <p:nvPr/>
+        </p:nvSpPr>
+        <p:spPr>
+          <a:xfrm>
+            <a:off x="6293143" y="840138"/>
+            <a:ext cx="1288757" cy="369332"/>
+          </a:xfrm>
+          <a:prstGeom prst="rect">
+            <a:avLst/>
+          </a:prstGeom>
+          <a:noFill/>
+        </p:spPr>
+        <p:txBody>
+          <a:bodyPr wrap="square" rtlCol="0">
+            <a:spAutoFit/>
+          </a:bodyPr>
+          <a:lstStyle/>
+          <a:p>
+            <a:r>
+              <a:rPr lang="en-US" dirty="0" smtClean="0"/>
+              <a:t>See Tools</a:t>
+            </a:r>
+            <a:endParaRPr lang="en-US" dirty="0"/>
+          </a:p>
+        </p:txBody>
+      </p:sp>
+      <p:sp>
+        <p:nvSpPr>
+          <p:cNvPr id="19" name="TextBox 18"/>
+          <p:cNvSpPr txBox="1"/>
+          <p:nvPr/>
+        </p:nvSpPr>
+        <p:spPr>
+          <a:xfrm>
+            <a:off x="1117600" y="2334274"/>
+            <a:ext cx="2184399" cy="369332"/>
+          </a:xfrm>
+          <a:prstGeom prst="rect">
+            <a:avLst/>
+          </a:prstGeom>
+          <a:noFill/>
+        </p:spPr>
+        <p:txBody>
+          <a:bodyPr wrap="square" rtlCol="0">
+            <a:spAutoFit/>
+          </a:bodyPr>
+          <a:lstStyle/>
+          <a:p>
+            <a:pPr algn="r"/>
+            <a:r>
+              <a:rPr lang="en-US" dirty="0" smtClean="0"/>
+              <a:t>Last Name*</a:t>
+            </a:r>
+            <a:endParaRPr lang="en-US" dirty="0"/>
+          </a:p>
+        </p:txBody>
+      </p:sp>
+      <p:sp>
+        <p:nvSpPr>
+          <p:cNvPr id="24" name="TextBox 23"/>
+          <p:cNvSpPr txBox="1"/>
+          <p:nvPr/>
+        </p:nvSpPr>
+        <p:spPr>
+          <a:xfrm>
+            <a:off x="3301999" y="2337856"/>
+            <a:ext cx="4648200" cy="369332"/>
+          </a:xfrm>
+          <a:prstGeom prst="rect">
+            <a:avLst/>
+          </a:prstGeom>
+          <a:ln>
+            <a:solidFill>
+              <a:schemeClr val="bg1">
+                <a:lumMod val="75000"/>
+              </a:schemeClr>
+            </a:solidFill>
+          </a:ln>
+        </p:spPr>
+        <p:style>
+          <a:lnRef idx="2">
+            <a:schemeClr val="dk1"/>
+          </a:lnRef>
+          <a:fillRef idx="1">
+            <a:schemeClr val="lt1"/>
+          </a:fillRef>
+          <a:effectRef idx="0">
+            <a:schemeClr val="dk1"/>
+          </a:effectRef>
+          <a:fontRef idx="minor">
+            <a:schemeClr val="dk1"/>
+          </a:fontRef>
+        </p:style>
+        <p:txBody>
+          <a:bodyPr wrap="square" rtlCol="0">
+            <a:spAutoFit/>
+          </a:bodyPr>
+          <a:lstStyle/>
+          <a:p>
+            <a:endParaRPr lang="en-US" dirty="0"/>
+          </a:p>
+        </p:txBody>
+      </p:sp>
+      <p:sp>
+        <p:nvSpPr>
+          <p:cNvPr id="25" name="TextBox 24"/>
+          <p:cNvSpPr txBox="1"/>
+          <p:nvPr/>
+        </p:nvSpPr>
+        <p:spPr>
+          <a:xfrm>
+            <a:off x="1904999" y="2832810"/>
+            <a:ext cx="1397000" cy="369332"/>
+          </a:xfrm>
+          <a:prstGeom prst="rect">
+            <a:avLst/>
+          </a:prstGeom>
+          <a:noFill/>
+        </p:spPr>
+        <p:txBody>
+          <a:bodyPr wrap="square" rtlCol="0">
+            <a:spAutoFit/>
+          </a:bodyPr>
+          <a:lstStyle/>
+          <a:p>
+            <a:pPr algn="r"/>
+            <a:r>
+              <a:rPr lang="en-US" dirty="0" smtClean="0"/>
+              <a:t>Message</a:t>
+            </a:r>
+            <a:endParaRPr lang="en-US" dirty="0"/>
+          </a:p>
+        </p:txBody>
+      </p:sp>
+      <p:sp>
+        <p:nvSpPr>
+          <p:cNvPr id="26" name="TextBox 25"/>
+          <p:cNvSpPr txBox="1"/>
+          <p:nvPr/>
+        </p:nvSpPr>
+        <p:spPr>
+          <a:xfrm>
+            <a:off x="3301999" y="2832810"/>
+            <a:ext cx="4648200" cy="923330"/>
+          </a:xfrm>
+          <a:prstGeom prst="rect">
+            <a:avLst/>
+          </a:prstGeom>
+          <a:ln>
+            <a:solidFill>
+              <a:schemeClr val="bg1">
+                <a:lumMod val="75000"/>
+              </a:schemeClr>
+            </a:solidFill>
+          </a:ln>
+        </p:spPr>
+        <p:style>
+          <a:lnRef idx="2">
+            <a:schemeClr val="dk1"/>
+          </a:lnRef>
+          <a:fillRef idx="1">
+            <a:schemeClr val="lt1"/>
+          </a:fillRef>
+          <a:effectRef idx="0">
+            <a:schemeClr val="dk1"/>
+          </a:effectRef>
+          <a:fontRef idx="minor">
+            <a:schemeClr val="dk1"/>
+          </a:fontRef>
+        </p:style>
+        <p:txBody>
+          <a:bodyPr wrap="square" rtlCol="0">
+            <a:spAutoFit/>
+          </a:bodyPr>
+          <a:lstStyle/>
+          <a:p>
+            <a:endParaRPr lang="en-US" dirty="0" smtClean="0"/>
+          </a:p>
+          <a:p>
+            <a:endParaRPr lang="en-US" dirty="0"/>
+          </a:p>
+          <a:p>
+            <a:endParaRPr lang="en-US" dirty="0"/>
+          </a:p>
+        </p:txBody>
+      </p:sp>
+      <p:sp>
+        <p:nvSpPr>
+          <p:cNvPr id="28" name="TextBox 27"/>
+          <p:cNvSpPr txBox="1"/>
+          <p:nvPr/>
+        </p:nvSpPr>
+        <p:spPr>
+          <a:xfrm>
+            <a:off x="1117600" y="1836194"/>
+            <a:ext cx="2184399" cy="369332"/>
+          </a:xfrm>
+          <a:prstGeom prst="rect">
+            <a:avLst/>
+          </a:prstGeom>
+          <a:noFill/>
+        </p:spPr>
+        <p:txBody>
+          <a:bodyPr wrap="square" rtlCol="0">
+            <a:spAutoFit/>
+          </a:bodyPr>
+          <a:lstStyle/>
+          <a:p>
+            <a:pPr algn="r"/>
+            <a:r>
+              <a:rPr lang="en-US" dirty="0" smtClean="0"/>
+              <a:t>First Name</a:t>
+            </a:r>
+            <a:r>
+              <a:rPr lang="en-US" baseline="30000" dirty="0" smtClean="0"/>
+              <a:t>*</a:t>
+            </a:r>
+            <a:endParaRPr lang="en-US" dirty="0"/>
+          </a:p>
+        </p:txBody>
+      </p:sp>
+      <p:sp>
+        <p:nvSpPr>
+          <p:cNvPr id="29" name="TextBox 28"/>
+          <p:cNvSpPr txBox="1"/>
+          <p:nvPr/>
+        </p:nvSpPr>
+        <p:spPr>
+          <a:xfrm>
+            <a:off x="3301998" y="1836194"/>
+            <a:ext cx="4648201" cy="369332"/>
+          </a:xfrm>
+          <a:prstGeom prst="rect">
+            <a:avLst/>
+          </a:prstGeom>
+          <a:ln>
+            <a:solidFill>
+              <a:schemeClr val="bg1">
+                <a:lumMod val="75000"/>
+              </a:schemeClr>
+            </a:solidFill>
+          </a:ln>
+        </p:spPr>
+        <p:style>
+          <a:lnRef idx="2">
+            <a:schemeClr val="dk1"/>
+          </a:lnRef>
+          <a:fillRef idx="1">
+            <a:schemeClr val="lt1"/>
+          </a:fillRef>
+          <a:effectRef idx="0">
+            <a:schemeClr val="dk1"/>
+          </a:effectRef>
+          <a:fontRef idx="minor">
+            <a:schemeClr val="dk1"/>
+          </a:fontRef>
+        </p:style>
+        <p:txBody>
+          <a:bodyPr wrap="square" rtlCol="0">
+            <a:spAutoFit/>
+          </a:bodyPr>
+          <a:lstStyle/>
+          <a:p>
+            <a:endParaRPr lang="en-US" dirty="0"/>
+          </a:p>
+        </p:txBody>
+      </p:sp>
+      <p:sp>
+        <p:nvSpPr>
+          <p:cNvPr id="33" name="TextBox 32"/>
+          <p:cNvSpPr txBox="1"/>
+          <p:nvPr/>
+        </p:nvSpPr>
+        <p:spPr>
+          <a:xfrm>
+            <a:off x="3301999" y="3888774"/>
+            <a:ext cx="1685064" cy="369332"/>
+          </a:xfrm>
+          <a:prstGeom prst="rect">
+            <a:avLst/>
+          </a:prstGeom>
+          <a:ln>
+            <a:solidFill>
+              <a:schemeClr val="bg1">
+                <a:lumMod val="75000"/>
+              </a:schemeClr>
+            </a:solidFill>
+          </a:ln>
+        </p:spPr>
+        <p:style>
+          <a:lnRef idx="2">
+            <a:schemeClr val="dk1"/>
+          </a:lnRef>
+          <a:fillRef idx="1">
+            <a:schemeClr val="lt1"/>
+          </a:fillRef>
+          <a:effectRef idx="0">
+            <a:schemeClr val="dk1"/>
+          </a:effectRef>
+          <a:fontRef idx="minor">
+            <a:schemeClr val="dk1"/>
+          </a:fontRef>
+        </p:style>
+        <p:txBody>
+          <a:bodyPr wrap="square" rtlCol="0">
+            <a:spAutoFit/>
+          </a:bodyPr>
+          <a:lstStyle/>
+          <a:p>
+            <a:endParaRPr lang="en-US" dirty="0"/>
+          </a:p>
+        </p:txBody>
+      </p:sp>
+      <p:sp>
+        <p:nvSpPr>
+          <p:cNvPr id="35" name="Rectangle 34"/>
+          <p:cNvSpPr/>
+          <p:nvPr/>
+        </p:nvSpPr>
+        <p:spPr>
+          <a:xfrm>
+            <a:off x="1745864" y="3888774"/>
+            <a:ext cx="1556135" cy="369332"/>
+          </a:xfrm>
+          <a:prstGeom prst="rect">
+            <a:avLst/>
+          </a:prstGeom>
+        </p:spPr>
+        <p:txBody>
+          <a:bodyPr wrap="none">
+            <a:spAutoFit/>
+          </a:bodyPr>
+          <a:lstStyle/>
+          <a:p>
+            <a:pPr algn="r"/>
+            <a:r>
+              <a:rPr lang="en-US" dirty="0" smtClean="0"/>
+              <a:t>Email address</a:t>
+            </a:r>
+            <a:r>
+              <a:rPr lang="en-US" baseline="30000" dirty="0" smtClean="0"/>
+              <a:t>*</a:t>
+            </a:r>
+            <a:endParaRPr lang="en-US" dirty="0"/>
+          </a:p>
+        </p:txBody>
+      </p:sp>
+      <p:sp>
+        <p:nvSpPr>
+          <p:cNvPr id="42" name="TextBox 41"/>
+          <p:cNvSpPr txBox="1"/>
+          <p:nvPr/>
+        </p:nvSpPr>
+        <p:spPr>
+          <a:xfrm>
+            <a:off x="3454399" y="4594379"/>
+            <a:ext cx="1397000" cy="369332"/>
+          </a:xfrm>
+          <a:prstGeom prst="rect">
+            <a:avLst/>
+          </a:prstGeom>
+          <a:ln>
+            <a:noFill/>
+          </a:ln>
+        </p:spPr>
+        <p:style>
+          <a:lnRef idx="1">
+            <a:schemeClr val="dk1"/>
+          </a:lnRef>
+          <a:fillRef idx="2">
+            <a:schemeClr val="dk1"/>
+          </a:fillRef>
+          <a:effectRef idx="1">
+            <a:schemeClr val="dk1"/>
+          </a:effectRef>
+          <a:fontRef idx="minor">
+            <a:schemeClr val="dk1"/>
+          </a:fontRef>
+        </p:style>
+        <p:txBody>
+          <a:bodyPr wrap="square" rtlCol="0">
+            <a:spAutoFit/>
+          </a:bodyPr>
+          <a:lstStyle/>
+          <a:p>
+            <a:pPr algn="ctr"/>
+            <a:r>
+              <a:rPr lang="en-US" dirty="0" smtClean="0"/>
+              <a:t>Send</a:t>
+            </a:r>
+            <a:endParaRPr lang="en-US" dirty="0"/>
+          </a:p>
+        </p:txBody>
+      </p:sp>
+    </p:spTree>
+    <p:extLst>
+      <p:ext uri="{BB962C8B-B14F-4D97-AF65-F5344CB8AC3E}">
+        <p14:creationId xmlns:p14="http://schemas.microsoft.com/office/powerpoint/2010/main" val="2034665226"/>
+      </p:ext>
+    </p:extLst>
+  </p:cSld>
+  <p:clrMapOvr>
+    <a:masterClrMapping/>
+  </p:clrMapOvr>
+</p:sld>
+</file>
+
+<file path=ppt/slides/slide5.xml><?xml version="1.0" encoding="utf-8"?>
+<p:sld xmlns:a="http://schemas.openxmlformats.org/drawingml/2006/main" xmlns:r="http://schemas.openxmlformats.org/officeDocument/2006/relationships" xmlns:p="http://schemas.openxmlformats.org/presentationml/2006/main">
+  <p:cSld>
+    <p:spTree>
+      <p:nvGrpSpPr>
+        <p:cNvPr id="1" name=""/>
+        <p:cNvGrpSpPr/>
+        <p:nvPr/>
+      </p:nvGrpSpPr>
+      <p:grpSpPr>
+        <a:xfrm>
+          <a:off x="0" y="0"/>
+          <a:ext cx="0" cy="0"/>
+          <a:chOff x="0" y="0"/>
+          <a:chExt cx="0" cy="0"/>
+        </a:xfrm>
+      </p:grpSpPr>
+      <p:sp>
+        <p:nvSpPr>
+          <p:cNvPr id="33" name="Rectangle 32"/>
+          <p:cNvSpPr/>
+          <p:nvPr/>
+        </p:nvSpPr>
+        <p:spPr>
+          <a:xfrm>
+            <a:off x="508000" y="2516949"/>
+            <a:ext cx="8513548" cy="2421548"/>
+          </a:xfrm>
+          <a:prstGeom prst="rect">
+            <a:avLst/>
+          </a:prstGeom>
+          <a:solidFill>
+            <a:schemeClr val="bg1">
+              <a:lumMod val="95000"/>
+            </a:schemeClr>
+          </a:solidFill>
+          <a:ln>
+            <a:noFill/>
+          </a:ln>
+          <a:effectLst/>
+        </p:spPr>
+        <p:style>
+          <a:lnRef idx="1">
+            <a:schemeClr val="accent1"/>
+          </a:lnRef>
+          <a:fillRef idx="3">
+            <a:schemeClr val="accent1"/>
+          </a:fillRef>
+          <a:effectRef idx="2">
+            <a:schemeClr val="accent1"/>
+          </a:effectRef>
+          <a:fontRef idx="minor">
+            <a:schemeClr val="lt1"/>
+          </a:fontRef>
+        </p:style>
+        <p:txBody>
+          <a:bodyPr rtlCol="0" anchor="ctr"/>
+          <a:lstStyle/>
+          <a:p>
+            <a:pPr algn="ctr"/>
+            <a:endParaRPr lang="en-US"/>
+          </a:p>
+        </p:txBody>
+      </p:sp>
+      <p:sp>
+        <p:nvSpPr>
+          <p:cNvPr id="20" name="Rectangle 19"/>
+          <p:cNvSpPr/>
+          <p:nvPr/>
+        </p:nvSpPr>
+        <p:spPr>
+          <a:xfrm>
+            <a:off x="0" y="6456907"/>
+            <a:ext cx="9144000" cy="396704"/>
+          </a:xfrm>
+          <a:prstGeom prst="rect">
+            <a:avLst/>
+          </a:prstGeom>
+          <a:solidFill>
+            <a:schemeClr val="bg1">
+              <a:lumMod val="85000"/>
+            </a:schemeClr>
+          </a:solidFill>
+          <a:ln>
+            <a:noFill/>
+          </a:ln>
+          <a:effectLst/>
+        </p:spPr>
+        <p:style>
+          <a:lnRef idx="1">
+            <a:schemeClr val="dk1"/>
+          </a:lnRef>
+          <a:fillRef idx="2">
+            <a:schemeClr val="dk1"/>
+          </a:fillRef>
+          <a:effectRef idx="1">
+            <a:schemeClr val="dk1"/>
+          </a:effectRef>
+          <a:fontRef idx="minor">
+            <a:schemeClr val="dk1"/>
+          </a:fontRef>
+        </p:style>
+        <p:txBody>
+          <a:bodyPr rtlCol="0" anchor="ctr"/>
+          <a:lstStyle/>
+          <a:p>
+            <a:pPr algn="ctr"/>
+            <a:endParaRPr lang="en-US">
+              <a:solidFill>
+                <a:srgbClr val="000000"/>
+              </a:solidFill>
+            </a:endParaRPr>
+          </a:p>
+        </p:txBody>
+      </p:sp>
+      <p:sp>
+        <p:nvSpPr>
+          <p:cNvPr id="2" name="Rectangle 1"/>
+          <p:cNvSpPr/>
+          <p:nvPr/>
+        </p:nvSpPr>
+        <p:spPr>
+          <a:xfrm>
+            <a:off x="0" y="0"/>
+            <a:ext cx="9144000" cy="1214811"/>
+          </a:xfrm>
+          <a:prstGeom prst="rect">
+            <a:avLst/>
+          </a:prstGeom>
+          <a:solidFill>
+            <a:schemeClr val="bg1">
+              <a:lumMod val="85000"/>
+            </a:schemeClr>
+          </a:solidFill>
+          <a:ln>
+            <a:noFill/>
+          </a:ln>
+          <a:effectLst/>
+        </p:spPr>
+        <p:style>
+          <a:lnRef idx="1">
+            <a:schemeClr val="dk1"/>
+          </a:lnRef>
+          <a:fillRef idx="2">
+            <a:schemeClr val="dk1"/>
+          </a:fillRef>
+          <a:effectRef idx="1">
+            <a:schemeClr val="dk1"/>
+          </a:effectRef>
+          <a:fontRef idx="minor">
+            <a:schemeClr val="dk1"/>
+          </a:fontRef>
+        </p:style>
+        <p:txBody>
+          <a:bodyPr rtlCol="0" anchor="ctr"/>
+          <a:lstStyle/>
+          <a:p>
+            <a:pPr algn="ctr"/>
+            <a:endParaRPr lang="en-US">
+              <a:solidFill>
+                <a:srgbClr val="000000"/>
+              </a:solidFill>
+            </a:endParaRPr>
+          </a:p>
+        </p:txBody>
+      </p:sp>
+      <p:pic>
+        <p:nvPicPr>
+          <p:cNvPr id="5" name="Picture 4" descr="abqLogo_300dpi.png"/>
+          <p:cNvPicPr>
+            <a:picLocks noChangeAspect="1"/>
+          </p:cNvPicPr>
+          <p:nvPr/>
+        </p:nvPicPr>
+        <p:blipFill>
+          <a:blip r:embed="rId2">
+            <a:extLst>
+              <a:ext uri="{28A0092B-C50C-407E-A947-70E740481C1C}">
+                <a14:useLocalDpi xmlns:a14="http://schemas.microsoft.com/office/drawing/2010/main" val="0"/>
+              </a:ext>
+            </a:extLst>
+          </a:blip>
+          <a:stretch>
+            <a:fillRect/>
+          </a:stretch>
+        </p:blipFill>
+        <p:spPr>
+          <a:xfrm>
+            <a:off x="330200" y="134036"/>
+            <a:ext cx="2856562" cy="983564"/>
+          </a:xfrm>
+          <a:prstGeom prst="rect">
+            <a:avLst/>
+          </a:prstGeom>
+        </p:spPr>
+      </p:pic>
       <p:sp>
         <p:nvSpPr>
           <p:cNvPr id="13" name="TextBox 12"/>
@@ -4670,7 +6419,7 @@
         </p:blipFill>
         <p:spPr>
           <a:xfrm>
-            <a:off x="270736" y="1384302"/>
+            <a:off x="714298" y="3071597"/>
             <a:ext cx="2535964" cy="1438742"/>
           </a:xfrm>
           <a:prstGeom prst="rect">
@@ -4678,16 +6427,260 @@
           </a:prstGeom>
         </p:spPr>
       </p:pic>
-      <p:sp>
-        <p:nvSpPr>
-          <p:cNvPr id="7" name="Rectangle 6"/>
+      <p:grpSp>
+        <p:nvGrpSpPr>
+          <p:cNvPr id="9" name="Group 8"/>
+          <p:cNvGrpSpPr/>
+          <p:nvPr/>
+        </p:nvGrpSpPr>
+        <p:grpSpPr>
+          <a:xfrm>
+            <a:off x="3553043" y="3071597"/>
+            <a:ext cx="2535964" cy="1438742"/>
+            <a:chOff x="3566681" y="1714502"/>
+            <a:chExt cx="2535964" cy="1438742"/>
+          </a:xfrm>
+        </p:grpSpPr>
+        <p:sp>
+          <p:nvSpPr>
+            <p:cNvPr id="7" name="Rectangle 6"/>
+            <p:cNvSpPr/>
+            <p:nvPr/>
+          </p:nvSpPr>
+          <p:spPr>
+            <a:xfrm>
+              <a:off x="3566681" y="1714502"/>
+              <a:ext cx="2535964" cy="1438742"/>
+            </a:xfrm>
+            <a:prstGeom prst="rect">
+              <a:avLst/>
+            </a:prstGeom>
+            <a:noFill/>
+            <a:ln w="28575" cmpd="sng">
+              <a:solidFill>
+                <a:schemeClr val="tx1"/>
+              </a:solidFill>
+              <a:prstDash val="lgDash"/>
+            </a:ln>
+          </p:spPr>
+          <p:style>
+            <a:lnRef idx="1">
+              <a:schemeClr val="accent1"/>
+            </a:lnRef>
+            <a:fillRef idx="3">
+              <a:schemeClr val="accent1"/>
+            </a:fillRef>
+            <a:effectRef idx="2">
+              <a:schemeClr val="accent1"/>
+            </a:effectRef>
+            <a:fontRef idx="minor">
+              <a:schemeClr val="lt1"/>
+            </a:fontRef>
+          </p:style>
+          <p:txBody>
+            <a:bodyPr rtlCol="0" anchor="ctr"/>
+            <a:lstStyle/>
+            <a:p>
+              <a:pPr algn="ctr"/>
+              <a:endParaRPr lang="en-US"/>
+            </a:p>
+          </p:txBody>
+        </p:sp>
+        <p:sp>
+          <p:nvSpPr>
+            <p:cNvPr id="10" name="TextBox 9"/>
+            <p:cNvSpPr txBox="1"/>
+            <p:nvPr/>
+          </p:nvSpPr>
+          <p:spPr>
+            <a:xfrm>
+              <a:off x="4510813" y="1714502"/>
+              <a:ext cx="876300" cy="1200329"/>
+            </a:xfrm>
+            <a:prstGeom prst="rect">
+              <a:avLst/>
+            </a:prstGeom>
+            <a:noFill/>
+          </p:spPr>
+          <p:txBody>
+            <a:bodyPr wrap="square" rtlCol="0">
+              <a:spAutoFit/>
+            </a:bodyPr>
+            <a:lstStyle/>
+            <a:p>
+              <a:r>
+                <a:rPr lang="en-US" sz="7200" dirty="0" smtClean="0"/>
+                <a:t>+</a:t>
+              </a:r>
+              <a:endParaRPr lang="en-US" sz="7200" dirty="0"/>
+            </a:p>
+          </p:txBody>
+        </p:sp>
+        <p:sp>
+          <p:nvSpPr>
+            <p:cNvPr id="17" name="TextBox 16"/>
+            <p:cNvSpPr txBox="1"/>
+            <p:nvPr/>
+          </p:nvSpPr>
+          <p:spPr>
+            <a:xfrm>
+              <a:off x="3656662" y="2659797"/>
+              <a:ext cx="2229584" cy="369332"/>
+            </a:xfrm>
+            <a:prstGeom prst="rect">
+              <a:avLst/>
+            </a:prstGeom>
+            <a:noFill/>
+          </p:spPr>
+          <p:txBody>
+            <a:bodyPr wrap="none" rtlCol="0">
+              <a:spAutoFit/>
+            </a:bodyPr>
+            <a:lstStyle/>
+            <a:p>
+              <a:r>
+                <a:rPr lang="en-US" dirty="0" smtClean="0"/>
+                <a:t>launch a new desktop</a:t>
+              </a:r>
+              <a:endParaRPr lang="en-US" dirty="0"/>
+            </a:p>
+          </p:txBody>
+        </p:sp>
+      </p:grpSp>
+      <p:sp>
+        <p:nvSpPr>
+          <p:cNvPr id="15" name="TextBox 14"/>
+          <p:cNvSpPr txBox="1"/>
+          <p:nvPr/>
+        </p:nvSpPr>
+        <p:spPr>
+          <a:xfrm>
+            <a:off x="3310663" y="832779"/>
+            <a:ext cx="1397000" cy="369332"/>
+          </a:xfrm>
+          <a:prstGeom prst="rect">
+            <a:avLst/>
+          </a:prstGeom>
+          <a:noFill/>
+        </p:spPr>
+        <p:txBody>
+          <a:bodyPr wrap="square" rtlCol="0">
+            <a:spAutoFit/>
+          </a:bodyPr>
+          <a:lstStyle/>
+          <a:p>
+            <a:r>
+              <a:rPr lang="en-US" dirty="0" smtClean="0"/>
+              <a:t>My Home</a:t>
+            </a:r>
+            <a:endParaRPr lang="en-US" dirty="0"/>
+          </a:p>
+        </p:txBody>
+      </p:sp>
+      <p:sp>
+        <p:nvSpPr>
+          <p:cNvPr id="16" name="TextBox 15"/>
+          <p:cNvSpPr txBox="1"/>
+          <p:nvPr/>
+        </p:nvSpPr>
+        <p:spPr>
+          <a:xfrm>
+            <a:off x="4604043" y="840138"/>
+            <a:ext cx="1403057" cy="369332"/>
+          </a:xfrm>
+          <a:prstGeom prst="rect">
+            <a:avLst/>
+          </a:prstGeom>
+          <a:noFill/>
+        </p:spPr>
+        <p:txBody>
+          <a:bodyPr wrap="square" rtlCol="0">
+            <a:spAutoFit/>
+          </a:bodyPr>
+          <a:lstStyle/>
+          <a:p>
+            <a:r>
+              <a:rPr lang="en-US" dirty="0" smtClean="0"/>
+              <a:t>View</a:t>
+            </a:r>
+            <a:r>
+              <a:rPr lang="en-US" dirty="0" smtClean="0"/>
+              <a:t> Profiles</a:t>
+            </a:r>
+            <a:endParaRPr lang="en-US" dirty="0"/>
+          </a:p>
+        </p:txBody>
+      </p:sp>
+      <p:sp>
+        <p:nvSpPr>
+          <p:cNvPr id="18" name="TextBox 17"/>
+          <p:cNvSpPr txBox="1"/>
+          <p:nvPr/>
+        </p:nvSpPr>
+        <p:spPr>
+          <a:xfrm>
+            <a:off x="7628663" y="840138"/>
+            <a:ext cx="1397000" cy="369332"/>
+          </a:xfrm>
+          <a:prstGeom prst="rect">
+            <a:avLst/>
+          </a:prstGeom>
+          <a:noFill/>
+        </p:spPr>
+        <p:txBody>
+          <a:bodyPr wrap="square" rtlCol="0">
+            <a:spAutoFit/>
+          </a:bodyPr>
+          <a:lstStyle/>
+          <a:p>
+            <a:r>
+              <a:rPr lang="en-US" dirty="0" smtClean="0"/>
+              <a:t>Contact Us </a:t>
+            </a:r>
+            <a:endParaRPr lang="en-US" dirty="0"/>
+          </a:p>
+        </p:txBody>
+      </p:sp>
+      <p:sp>
+        <p:nvSpPr>
+          <p:cNvPr id="19" name="TextBox 18"/>
+          <p:cNvSpPr txBox="1"/>
+          <p:nvPr/>
+        </p:nvSpPr>
+        <p:spPr>
+          <a:xfrm>
+            <a:off x="6293143" y="840138"/>
+            <a:ext cx="1288757" cy="369332"/>
+          </a:xfrm>
+          <a:prstGeom prst="rect">
+            <a:avLst/>
+          </a:prstGeom>
+          <a:noFill/>
+        </p:spPr>
+        <p:txBody>
+          <a:bodyPr wrap="square" rtlCol="0">
+            <a:spAutoFit/>
+          </a:bodyPr>
+          <a:lstStyle/>
+          <a:p>
+            <a:r>
+              <a:rPr lang="en-US" dirty="0" smtClean="0"/>
+              <a:t>See Tools</a:t>
+            </a:r>
+            <a:endParaRPr lang="en-US" dirty="0"/>
+          </a:p>
+        </p:txBody>
+      </p:sp>
+      <p:sp>
+        <p:nvSpPr>
+          <p:cNvPr id="21" name="Rectangle 20"/>
           <p:cNvSpPr/>
           <p:nvPr/>
         </p:nvSpPr>
         <p:spPr>
           <a:xfrm>
-            <a:off x="3109481" y="1384302"/>
-            <a:ext cx="2535964" cy="1438742"/>
+            <a:off x="559387" y="1562102"/>
+            <a:ext cx="8434819" cy="558798"/>
           </a:xfrm>
           <a:prstGeom prst="rect">
             <a:avLst/>
@@ -4725,14 +6718,14 @@
       </p:sp>
       <p:sp>
         <p:nvSpPr>
-          <p:cNvPr id="10" name="TextBox 9"/>
+          <p:cNvPr id="23" name="TextBox 22"/>
           <p:cNvSpPr txBox="1"/>
           <p:nvPr/>
         </p:nvSpPr>
         <p:spPr>
           <a:xfrm>
-            <a:off x="4053613" y="1384302"/>
-            <a:ext cx="876300" cy="1200329"/>
+            <a:off x="155007" y="1646728"/>
+            <a:ext cx="2184399" cy="369332"/>
           </a:xfrm>
           <a:prstGeom prst="rect">
             <a:avLst/>
@@ -4745,24 +6738,118 @@
           </a:bodyPr>
           <a:lstStyle/>
           <a:p>
-            <a:r>
-              <a:rPr lang="en-US" sz="7200" dirty="0" smtClean="0"/>
-              <a:t>+</a:t>
-            </a:r>
-            <a:endParaRPr lang="en-US" sz="7200" dirty="0"/>
-          </a:p>
-        </p:txBody>
-      </p:sp>
-      <p:sp>
-        <p:nvSpPr>
-          <p:cNvPr id="17" name="TextBox 16"/>
+            <a:pPr algn="r"/>
+            <a:r>
+              <a:rPr lang="en-US" dirty="0" smtClean="0"/>
+              <a:t> company name</a:t>
+            </a:r>
+            <a:endParaRPr lang="en-US" dirty="0"/>
+          </a:p>
+        </p:txBody>
+      </p:sp>
+      <p:sp>
+        <p:nvSpPr>
+          <p:cNvPr id="24" name="TextBox 23"/>
           <p:cNvSpPr txBox="1"/>
           <p:nvPr/>
         </p:nvSpPr>
         <p:spPr>
           <a:xfrm>
-            <a:off x="3212162" y="2329597"/>
-            <a:ext cx="2229584" cy="369332"/>
+            <a:off x="2326705" y="1659428"/>
+            <a:ext cx="4648201" cy="369332"/>
+          </a:xfrm>
+          <a:prstGeom prst="rect">
+            <a:avLst/>
+          </a:prstGeom>
+          <a:ln>
+            <a:solidFill>
+              <a:schemeClr val="bg1">
+                <a:lumMod val="75000"/>
+              </a:schemeClr>
+            </a:solidFill>
+          </a:ln>
+        </p:spPr>
+        <p:style>
+          <a:lnRef idx="2">
+            <a:schemeClr val="dk1"/>
+          </a:lnRef>
+          <a:fillRef idx="1">
+            <a:schemeClr val="lt1"/>
+          </a:fillRef>
+          <a:effectRef idx="0">
+            <a:schemeClr val="dk1"/>
+          </a:effectRef>
+          <a:fontRef idx="minor">
+            <a:schemeClr val="dk1"/>
+          </a:fontRef>
+        </p:style>
+        <p:txBody>
+          <a:bodyPr wrap="square" rtlCol="0">
+            <a:spAutoFit/>
+          </a:bodyPr>
+          <a:lstStyle/>
+          <a:p>
+            <a:endParaRPr lang="en-US" dirty="0"/>
+          </a:p>
+        </p:txBody>
+      </p:sp>
+      <p:sp>
+        <p:nvSpPr>
+          <p:cNvPr id="25" name="TextBox 24"/>
+          <p:cNvSpPr txBox="1"/>
+          <p:nvPr/>
+        </p:nvSpPr>
+        <p:spPr>
+          <a:xfrm>
+            <a:off x="7446748" y="1659428"/>
+            <a:ext cx="1397000" cy="369332"/>
+          </a:xfrm>
+          <a:prstGeom prst="rect">
+            <a:avLst/>
+          </a:prstGeom>
+          <a:ln>
+            <a:noFill/>
+          </a:ln>
+        </p:spPr>
+        <p:style>
+          <a:lnRef idx="1">
+            <a:schemeClr val="dk1"/>
+          </a:lnRef>
+          <a:fillRef idx="2">
+            <a:schemeClr val="dk1"/>
+          </a:fillRef>
+          <a:effectRef idx="1">
+            <a:schemeClr val="dk1"/>
+          </a:effectRef>
+          <a:fontRef idx="minor">
+            <a:schemeClr val="dk1"/>
+          </a:fontRef>
+        </p:style>
+        <p:txBody>
+          <a:bodyPr wrap="square" rtlCol="0">
+            <a:spAutoFit/>
+          </a:bodyPr>
+          <a:lstStyle/>
+          <a:p>
+            <a:pPr algn="ctr"/>
+            <a:r>
+              <a:rPr lang="en-US" dirty="0" smtClean="0"/>
+              <a:t>Launch</a:t>
+            </a:r>
+            <a:endParaRPr lang="en-US" dirty="0"/>
+          </a:p>
+        </p:txBody>
+      </p:sp>
+      <p:sp>
+        <p:nvSpPr>
+          <p:cNvPr id="8" name="TextBox 7"/>
+          <p:cNvSpPr txBox="1"/>
+          <p:nvPr/>
+        </p:nvSpPr>
+        <p:spPr>
+          <a:xfrm>
+            <a:off x="6769100" y="2830297"/>
+            <a:ext cx="184666" cy="369332"/>
           </a:xfrm>
           <a:prstGeom prst="rect">
             <a:avLst/>
@@ -4775,9 +6862,290 @@
           </a:bodyPr>
           <a:lstStyle/>
           <a:p>
+            <a:endParaRPr lang="en-US" dirty="0"/>
+          </a:p>
+        </p:txBody>
+      </p:sp>
+      <p:sp>
+        <p:nvSpPr>
+          <p:cNvPr id="12" name="Rectangle 11"/>
+          <p:cNvSpPr/>
+          <p:nvPr/>
+        </p:nvSpPr>
+        <p:spPr>
+          <a:xfrm>
+            <a:off x="3566681" y="2612715"/>
+            <a:ext cx="2222822" cy="369332"/>
+          </a:xfrm>
+          <a:prstGeom prst="rect">
+            <a:avLst/>
+          </a:prstGeom>
+        </p:spPr>
+        <p:txBody>
+          <a:bodyPr wrap="none">
+            <a:spAutoFit/>
+          </a:bodyPr>
+          <a:lstStyle/>
+          <a:p>
+            <a:pPr algn="r"/>
             <a:r>
               <a:rPr lang="en-US" dirty="0" smtClean="0"/>
-              <a:t>launch a new desktop</a:t>
+              <a:t>Dave and Brothers Co</a:t>
+            </a:r>
+            <a:endParaRPr lang="en-US" dirty="0"/>
+          </a:p>
+        </p:txBody>
+      </p:sp>
+      <p:sp>
+        <p:nvSpPr>
+          <p:cNvPr id="35" name="Rectangle 34"/>
+          <p:cNvSpPr/>
+          <p:nvPr/>
+        </p:nvSpPr>
+        <p:spPr>
+          <a:xfrm>
+            <a:off x="7192198" y="2940131"/>
+            <a:ext cx="1723085" cy="307777"/>
+          </a:xfrm>
+          <a:prstGeom prst="rect">
+            <a:avLst/>
+          </a:prstGeom>
+        </p:spPr>
+        <p:txBody>
+          <a:bodyPr wrap="none">
+            <a:spAutoFit/>
+          </a:bodyPr>
+          <a:lstStyle/>
+          <a:p>
+            <a:r>
+              <a:rPr lang="en-US" sz="1400" dirty="0"/>
+              <a:t>Dave </a:t>
+            </a:r>
+            <a:r>
+              <a:rPr lang="en-US" sz="1400" dirty="0" smtClean="0"/>
+              <a:t>Corson (owner)</a:t>
+            </a:r>
+            <a:endParaRPr lang="en-US" sz="1400" dirty="0"/>
+          </a:p>
+        </p:txBody>
+      </p:sp>
+      <p:cxnSp>
+        <p:nvCxnSpPr>
+          <p:cNvPr id="37" name="Straight Connector 36"/>
+          <p:cNvCxnSpPr/>
+          <p:nvPr/>
+        </p:nvCxnSpPr>
+        <p:spPr>
+          <a:xfrm>
+            <a:off x="7086600" y="2580449"/>
+            <a:ext cx="0" cy="2322012"/>
+          </a:xfrm>
+          <a:prstGeom prst="line">
+            <a:avLst/>
+          </a:prstGeom>
+          <a:ln>
+            <a:solidFill>
+              <a:schemeClr val="bg1">
+                <a:lumMod val="65000"/>
+              </a:schemeClr>
+            </a:solidFill>
+          </a:ln>
+        </p:spPr>
+        <p:style>
+          <a:lnRef idx="2">
+            <a:schemeClr val="accent1"/>
+          </a:lnRef>
+          <a:fillRef idx="0">
+            <a:schemeClr val="accent1"/>
+          </a:fillRef>
+          <a:effectRef idx="1">
+            <a:schemeClr val="accent1"/>
+          </a:effectRef>
+          <a:fontRef idx="minor">
+            <a:schemeClr val="tx1"/>
+          </a:fontRef>
+        </p:style>
+      </p:cxnSp>
+      <p:sp>
+        <p:nvSpPr>
+          <p:cNvPr id="40" name="Rectangle 39"/>
+          <p:cNvSpPr/>
+          <p:nvPr/>
+        </p:nvSpPr>
+        <p:spPr>
+          <a:xfrm>
+            <a:off x="7235379" y="2536201"/>
+            <a:ext cx="1649685" cy="369332"/>
+          </a:xfrm>
+          <a:prstGeom prst="rect">
+            <a:avLst/>
+          </a:prstGeom>
+        </p:spPr>
+        <p:txBody>
+          <a:bodyPr wrap="none">
+            <a:spAutoFit/>
+          </a:bodyPr>
+          <a:lstStyle/>
+          <a:p>
+            <a:pPr algn="r"/>
+            <a:r>
+              <a:rPr lang="en-US" dirty="0" smtClean="0"/>
+              <a:t>Team members</a:t>
+            </a:r>
+            <a:endParaRPr lang="en-US" dirty="0"/>
+          </a:p>
+        </p:txBody>
+      </p:sp>
+      <p:sp>
+        <p:nvSpPr>
+          <p:cNvPr id="41" name="Rectangle 40"/>
+          <p:cNvSpPr/>
+          <p:nvPr/>
+        </p:nvSpPr>
+        <p:spPr>
+          <a:xfrm>
+            <a:off x="7192198" y="3227765"/>
+            <a:ext cx="1085065" cy="307777"/>
+          </a:xfrm>
+          <a:prstGeom prst="rect">
+            <a:avLst/>
+          </a:prstGeom>
+        </p:spPr>
+        <p:txBody>
+          <a:bodyPr wrap="none">
+            <a:spAutoFit/>
+          </a:bodyPr>
+          <a:lstStyle/>
+          <a:p>
+            <a:r>
+              <a:rPr lang="en-US" sz="1400" dirty="0"/>
+              <a:t>Jim Plumber</a:t>
+            </a:r>
+            <a:endParaRPr lang="en-US" sz="1400" dirty="0"/>
+          </a:p>
+        </p:txBody>
+      </p:sp>
+      <p:sp>
+        <p:nvSpPr>
+          <p:cNvPr id="54" name="TextBox 53"/>
+          <p:cNvSpPr txBox="1"/>
+          <p:nvPr/>
+        </p:nvSpPr>
+        <p:spPr>
+          <a:xfrm>
+            <a:off x="7213789" y="4005442"/>
+            <a:ext cx="1679904" cy="369332"/>
+          </a:xfrm>
+          <a:prstGeom prst="rect">
+            <a:avLst/>
+          </a:prstGeom>
+          <a:ln>
+            <a:solidFill>
+              <a:schemeClr val="bg1">
+                <a:lumMod val="75000"/>
+              </a:schemeClr>
+            </a:solidFill>
+          </a:ln>
+        </p:spPr>
+        <p:style>
+          <a:lnRef idx="2">
+            <a:schemeClr val="dk1"/>
+          </a:lnRef>
+          <a:fillRef idx="1">
+            <a:schemeClr val="lt1"/>
+          </a:fillRef>
+          <a:effectRef idx="0">
+            <a:schemeClr val="dk1"/>
+          </a:effectRef>
+          <a:fontRef idx="minor">
+            <a:schemeClr val="dk1"/>
+          </a:fontRef>
+        </p:style>
+        <p:txBody>
+          <a:bodyPr wrap="square" rtlCol="0">
+            <a:spAutoFit/>
+          </a:bodyPr>
+          <a:lstStyle/>
+          <a:p>
+            <a:r>
+              <a:rPr lang="en-US" dirty="0" smtClean="0"/>
+              <a:t/>
+            </a:r>
+            <a:endParaRPr lang="en-US" dirty="0"/>
+          </a:p>
+        </p:txBody>
+      </p:sp>
+      <p:sp>
+        <p:nvSpPr>
+          <p:cNvPr id="57" name="Rectangle 56"/>
+          <p:cNvSpPr/>
+          <p:nvPr/>
+        </p:nvSpPr>
+        <p:spPr>
+          <a:xfrm>
+            <a:off x="7046820" y="3669287"/>
+            <a:ext cx="1601408" cy="307777"/>
+          </a:xfrm>
+          <a:prstGeom prst="rect">
+            <a:avLst/>
+          </a:prstGeom>
+        </p:spPr>
+        <p:txBody>
+          <a:bodyPr wrap="none">
+            <a:spAutoFit/>
+          </a:bodyPr>
+          <a:lstStyle/>
+          <a:p>
+            <a:r>
+              <a:rPr lang="en-US" sz="1400" dirty="0" smtClean="0"/>
+              <a:t>new member email</a:t>
+            </a:r>
+            <a:endParaRPr lang="en-US" sz="1400" dirty="0"/>
+          </a:p>
+        </p:txBody>
+      </p:sp>
+      <p:sp>
+        <p:nvSpPr>
+          <p:cNvPr id="58" name="TextBox 57"/>
+          <p:cNvSpPr txBox="1"/>
+          <p:nvPr/>
+        </p:nvSpPr>
+        <p:spPr>
+          <a:xfrm>
+            <a:off x="8053741" y="4469629"/>
+            <a:ext cx="861541" cy="369332"/>
+          </a:xfrm>
+          <a:prstGeom prst="rect">
+            <a:avLst/>
+          </a:prstGeom>
+          <a:ln>
+            <a:noFill/>
+          </a:ln>
+        </p:spPr>
+        <p:style>
+          <a:lnRef idx="1">
+            <a:schemeClr val="dk1"/>
+          </a:lnRef>
+          <a:fillRef idx="2">
+            <a:schemeClr val="dk1"/>
+          </a:fillRef>
+          <a:effectRef idx="1">
+            <a:schemeClr val="dk1"/>
+          </a:effectRef>
+          <a:fontRef idx="minor">
+            <a:schemeClr val="dk1"/>
+          </a:fontRef>
+        </p:style>
+        <p:txBody>
+          <a:bodyPr wrap="square" rtlCol="0">
+            <a:spAutoFit/>
+          </a:bodyPr>
+          <a:lstStyle/>
+          <a:p>
+            <a:pPr algn="ctr"/>
+            <a:r>
+              <a:rPr lang="en-US" dirty="0" smtClean="0"/>
+              <a:t>invite</a:t>
             </a:r>
             <a:endParaRPr lang="en-US" dirty="0"/>
           </a:p>
@@ -4786,7 +7154,7 @@
     </p:spTree>
     <p:extLst>
       <p:ext uri="{BB962C8B-B14F-4D97-AF65-F5344CB8AC3E}">
-        <p14:creationId xmlns:p14="http://schemas.microsoft.com/office/powerpoint/2010/main" val="704177393"/>
+        <p14:creationId xmlns:p14="http://schemas.microsoft.com/office/powerpoint/2010/main" val="3645655516"/>
       </p:ext>
     </p:extLst>
   </p:cSld>
@@ -4796,7 +7164,7 @@
 </p:sld>
 </file>
 
-<file path=ppt/slides/slide4.xml><?xml version="1.0" encoding="utf-8"?>
+<file path=ppt/slides/slide6.xml><?xml version="1.0" encoding="utf-8"?>
 <p:sld xmlns:a="http://schemas.openxmlformats.org/drawingml/2006/main" xmlns:r="http://schemas.openxmlformats.org/officeDocument/2006/relationships" xmlns:p="http://schemas.openxmlformats.org/presentationml/2006/main">
   <p:cSld>
     <p:spTree>
